--- a/A조 발표/A조 폼보드.pptx
+++ b/A조 발표/A조 폼보드.pptx
@@ -2,7 +2,7 @@
 <file path=ppt/presentation.xml><?xml version="1.0" encoding="utf-8"?>
 <p:presentation xmlns:r="http://schemas.openxmlformats.org/officeDocument/2006/relationships" xmlns:c="http://schemas.openxmlformats.org/drawingml/2006/chart" xmlns:a="http://schemas.openxmlformats.org/drawingml/2006/main" xmlns:dgm="http://schemas.openxmlformats.org/drawingml/2006/diagram" xmlns:dsp="http://schemas.microsoft.com/office/drawing/2008/diagram" xmlns:p="http://schemas.openxmlformats.org/presentationml/2006/main">
   <p:sldMasterIdLst>
-    <p:sldMasterId id="2147483684" r:id="rId1"/>
+    <p:sldMasterId id="2147483689" r:id="rId1"/>
   </p:sldMasterIdLst>
   <p:notesMasterIdLst>
     <p:notesMasterId r:id="rId2"/>
@@ -13,9 +13,10 @@
     <p:sldId id="275" r:id="rId5"/>
     <p:sldId id="276" r:id="rId6"/>
     <p:sldId id="272" r:id="rId7"/>
-    <p:sldId id="277" r:id="rId8"/>
-    <p:sldId id="271" r:id="rId9"/>
-    <p:sldId id="262" r:id="rId10"/>
+    <p:sldId id="278" r:id="rId8"/>
+    <p:sldId id="277" r:id="rId9"/>
+    <p:sldId id="271" r:id="rId10"/>
+    <p:sldId id="262" r:id="rId11"/>
   </p:sldIdLst>
   <p:sldSz cx="12192000" cy="6858000"/>
   <p:notesSz cx="6858000" cy="9144000"/>
@@ -4488,6 +4489,126 @@
           </a:prstGeom>
         </p:spPr>
       </p:pic>
+      <p:sp>
+        <p:nvSpPr>
+          <p:cNvPr id="12" name="TextBox 7"/>
+          <p:cNvSpPr txBox="1"/>
+          <p:nvPr/>
+        </p:nvSpPr>
+        <p:spPr>
+          <a:xfrm>
+            <a:off x="8017978" y="494885"/>
+            <a:ext cx="2028140" cy="400110"/>
+          </a:xfrm>
+          <a:prstGeom prst="rect">
+            <a:avLst/>
+          </a:prstGeom>
+          <a:noFill/>
+        </p:spPr>
+        <p:txBody>
+          <a:bodyPr wrap="square">
+            <a:spAutoFit/>
+          </a:bodyPr>
+          <a:lstStyle/>
+          <a:p>
+            <a:pPr algn="ctr">
+              <a:defRPr/>
+            </a:pPr>
+            <a:r>
+              <a:rPr lang="en-US" altLang="ko-KR" sz="2000" b="1">
+                <a:latin typeface="Amasis MT Pro Black"/>
+              </a:rPr>
+              <a:t>[</a:t>
+            </a:r>
+            <a:r>
+              <a:rPr lang="ko-KR" altLang="en-US" sz="2000" b="1">
+                <a:latin typeface="Amasis MT Pro Black"/>
+              </a:rPr>
+              <a:t> </a:t>
+            </a:r>
+            <a:r>
+              <a:rPr lang="en-US" altLang="ko-KR" sz="2000" b="1">
+                <a:latin typeface="Amasis MT Pro Black"/>
+              </a:rPr>
+              <a:t>System UI</a:t>
+            </a:r>
+            <a:r>
+              <a:rPr lang="ko-KR" altLang="en-US" sz="2000" b="1">
+                <a:latin typeface="Amasis MT Pro Black"/>
+              </a:rPr>
+              <a:t> </a:t>
+            </a:r>
+            <a:r>
+              <a:rPr lang="en-US" altLang="ko-KR" sz="2000" b="1">
+                <a:latin typeface="Amasis MT Pro Black"/>
+              </a:rPr>
+              <a:t>]</a:t>
+            </a:r>
+            <a:endParaRPr lang="en-US" altLang="ko-KR" sz="2000" b="1">
+              <a:latin typeface="Amasis MT Pro Black"/>
+            </a:endParaRPr>
+          </a:p>
+        </p:txBody>
+      </p:sp>
+      <p:sp>
+        <p:nvSpPr>
+          <p:cNvPr id="13" name="화살표: 오른쪽 10"/>
+          <p:cNvSpPr/>
+          <p:nvPr/>
+        </p:nvSpPr>
+        <p:spPr>
+          <a:xfrm>
+            <a:off x="4674654" y="2618387"/>
+            <a:ext cx="1421346" cy="495631"/>
+          </a:xfrm>
+          <a:prstGeom prst="rightArrow">
+            <a:avLst>
+              <a:gd name="adj1" fmla="val 50000"/>
+              <a:gd name="adj2" fmla="val 50000"/>
+            </a:avLst>
+          </a:prstGeom>
+          <a:solidFill>
+            <a:srgbClr val="c00000">
+              <a:alpha val="100000"/>
+            </a:srgbClr>
+          </a:solidFill>
+          <a:ln w="12700">
+            <a:solidFill>
+              <a:srgbClr val="000000">
+                <a:alpha val="100000"/>
+              </a:srgbClr>
+            </a:solidFill>
+            <a:miter/>
+          </a:ln>
+        </p:spPr>
+        <p:txBody>
+          <a:bodyPr anchor="ctr"/>
+          <a:p>
+            <a:pPr marL="0" indent="0" algn="l" defTabSz="457200" rtl="0" eaLnBrk="1" latinLnBrk="0" hangingPunct="1">
+              <a:lnSpc>
+                <a:spcPct val="150000"/>
+              </a:lnSpc>
+              <a:spcBef>
+                <a:spcPct val="0"/>
+              </a:spcBef>
+              <a:spcAft>
+                <a:spcPts val="0"/>
+              </a:spcAft>
+              <a:buFontTx/>
+              <a:buNone/>
+              <a:defRPr/>
+            </a:pPr>
+            <a:endParaRPr xmlns:mc="http://schemas.openxmlformats.org/markup-compatibility/2006" xmlns:hp="http://schemas.haansoft.com/office/presentation/8.0" kumimoji="0" lang="ko-KR" altLang="en-US" sz="1800" b="0" i="0" u="none" strike="noStrike" kern="1200" cap="none" spc="0" normalizeH="0" baseline="0" mc:Ignorable="hp" hp:hslEmbossed="0">
+              <a:solidFill>
+                <a:srgbClr val="000099"/>
+              </a:solidFill>
+              <a:latin typeface="Calibri"/>
+              <a:ea typeface="맑은 고딕"/>
+              <a:cs typeface="Arial Unicode MS"/>
+            </a:endParaRPr>
+          </a:p>
+        </p:txBody>
+      </p:sp>
     </p:spTree>
   </p:cSld>
   <p:clrMapOvr>
@@ -4505,6 +4626,422 @@
 </file>
 
 <file path=ppt/slides/slide6.xml><?xml version="1.0" encoding="utf-8"?>
+<p:sld xmlns:r="http://schemas.openxmlformats.org/officeDocument/2006/relationships" xmlns:c="http://schemas.openxmlformats.org/drawingml/2006/chart" xmlns:a="http://schemas.openxmlformats.org/drawingml/2006/main" xmlns:dgm="http://schemas.openxmlformats.org/drawingml/2006/diagram" xmlns:dsp="http://schemas.microsoft.com/office/drawing/2008/diagram" xmlns:p="http://schemas.openxmlformats.org/presentationml/2006/main">
+  <p:cSld>
+    <p:spTree>
+      <p:nvGrpSpPr>
+        <p:cNvPr id="1" name=""/>
+        <p:cNvGrpSpPr/>
+        <p:nvPr/>
+      </p:nvGrpSpPr>
+      <p:grpSpPr>
+        <a:xfrm>
+          <a:off x="0" y="0"/>
+          <a:ext cx="0" cy="0"/>
+          <a:chOff x="0" y="0"/>
+          <a:chExt cx="0" cy="0"/>
+        </a:xfrm>
+      </p:grpSpPr>
+      <p:pic>
+        <p:nvPicPr>
+          <p:cNvPr id="4" name="그림 14"/>
+          <p:cNvPicPr>
+            <a:picLocks noChangeAspect="1"/>
+          </p:cNvPicPr>
+          <p:nvPr/>
+        </p:nvPicPr>
+        <p:blipFill rotWithShape="1">
+          <a:blip r:embed="rId2"/>
+          <a:stretch>
+            <a:fillRect/>
+          </a:stretch>
+        </p:blipFill>
+        <p:spPr>
+          <a:xfrm>
+            <a:off x="211910" y="1042734"/>
+            <a:ext cx="4581427" cy="3747530"/>
+          </a:xfrm>
+          <a:prstGeom prst="rect">
+            <a:avLst/>
+          </a:prstGeom>
+        </p:spPr>
+      </p:pic>
+      <p:sp>
+        <p:nvSpPr>
+          <p:cNvPr id="5" name="직사각형 9"/>
+          <p:cNvSpPr/>
+          <p:nvPr/>
+        </p:nvSpPr>
+        <p:spPr>
+          <a:xfrm>
+            <a:off x="292231" y="3780148"/>
+            <a:ext cx="3308808" cy="1010116"/>
+          </a:xfrm>
+          <a:prstGeom prst="rect">
+            <a:avLst/>
+          </a:prstGeom>
+          <a:noFill/>
+          <a:ln w="38100">
+            <a:solidFill>
+              <a:srgbClr val="c00000"/>
+            </a:solidFill>
+            <a:miter/>
+          </a:ln>
+        </p:spPr>
+        <p:txBody>
+          <a:bodyPr anchor="ctr"/>
+          <a:lstStyle/>
+          <a:p>
+            <a:pPr algn="l">
+              <a:lnSpc>
+                <a:spcPct val="150000"/>
+              </a:lnSpc>
+              <a:buFontTx/>
+              <a:buNone/>
+              <a:defRPr/>
+            </a:pPr>
+            <a:endParaRPr lang="ko-KR" altLang="en-US">
+              <a:solidFill>
+                <a:srgbClr val="000099"/>
+              </a:solidFill>
+              <a:latin typeface="+mn-ea"/>
+              <a:ea typeface="+mn-ea"/>
+              <a:cs typeface="Arial Unicode MS"/>
+            </a:endParaRPr>
+          </a:p>
+        </p:txBody>
+      </p:sp>
+      <p:sp>
+        <p:nvSpPr>
+          <p:cNvPr id="6" name="화살표: 오른쪽 10"/>
+          <p:cNvSpPr/>
+          <p:nvPr/>
+        </p:nvSpPr>
+        <p:spPr>
+          <a:xfrm>
+            <a:off x="3829984" y="3996965"/>
+            <a:ext cx="1023001" cy="495631"/>
+          </a:xfrm>
+          <a:prstGeom prst="rightArrow">
+            <a:avLst>
+              <a:gd name="adj1" fmla="val 50000"/>
+              <a:gd name="adj2" fmla="val 50000"/>
+            </a:avLst>
+          </a:prstGeom>
+          <a:solidFill>
+            <a:srgbClr val="c00000"/>
+          </a:solidFill>
+          <a:ln w="12700">
+            <a:solidFill>
+              <a:schemeClr val="tx1"/>
+            </a:solidFill>
+            <a:miter/>
+          </a:ln>
+        </p:spPr>
+        <p:txBody>
+          <a:bodyPr anchor="ctr"/>
+          <a:lstStyle/>
+          <a:p>
+            <a:pPr algn="l">
+              <a:lnSpc>
+                <a:spcPct val="150000"/>
+              </a:lnSpc>
+              <a:buFontTx/>
+              <a:buNone/>
+              <a:defRPr/>
+            </a:pPr>
+            <a:endParaRPr lang="ko-KR" altLang="en-US">
+              <a:solidFill>
+                <a:srgbClr val="000099"/>
+              </a:solidFill>
+              <a:latin typeface="+mn-ea"/>
+              <a:ea typeface="+mn-ea"/>
+              <a:cs typeface="Arial Unicode MS"/>
+            </a:endParaRPr>
+          </a:p>
+        </p:txBody>
+      </p:sp>
+      <p:grpSp>
+        <p:nvGrpSpPr>
+          <p:cNvPr id="7" name="그룹 2"/>
+          <p:cNvGrpSpPr/>
+          <p:nvPr/>
+        </p:nvGrpSpPr>
+        <p:grpSpPr>
+          <a:xfrm rot="0">
+            <a:off x="5081928" y="1708963"/>
+            <a:ext cx="6877695" cy="3947120"/>
+            <a:chOff x="5081929" y="1708963"/>
+            <a:chExt cx="6616735" cy="3947120"/>
+          </a:xfrm>
+        </p:grpSpPr>
+        <p:sp>
+          <p:nvSpPr>
+            <p:cNvPr id="8" name="TextBox 7"/>
+            <p:cNvSpPr txBox="1"/>
+            <p:nvPr/>
+          </p:nvSpPr>
+          <p:spPr>
+            <a:xfrm>
+              <a:off x="5081929" y="1708963"/>
+              <a:ext cx="2028140" cy="338554"/>
+            </a:xfrm>
+            <a:prstGeom prst="rect">
+              <a:avLst/>
+            </a:prstGeom>
+            <a:noFill/>
+          </p:spPr>
+          <p:txBody>
+            <a:bodyPr wrap="square">
+              <a:spAutoFit/>
+            </a:bodyPr>
+            <a:lstStyle/>
+            <a:p>
+              <a:pPr lvl="0">
+                <a:defRPr/>
+              </a:pPr>
+              <a:r>
+                <a:rPr lang="en-US" altLang="ko-KR" sz="1600" b="1">
+                  <a:latin typeface="Amasis MT Pro Black"/>
+                </a:rPr>
+                <a:t>[Process Module ]</a:t>
+              </a:r>
+              <a:endParaRPr lang="ko-KR" altLang="en-US" sz="1600" b="1">
+                <a:latin typeface="Amasis MT Pro Black"/>
+              </a:endParaRPr>
+            </a:p>
+          </p:txBody>
+        </p:sp>
+        <p:pic>
+          <p:nvPicPr>
+            <p:cNvPr id="9" name="그림 3"/>
+            <p:cNvPicPr>
+              <a:picLocks noChangeAspect="1"/>
+            </p:cNvPicPr>
+            <p:nvPr/>
+          </p:nvPicPr>
+          <p:blipFill rotWithShape="1">
+            <a:blip r:embed="rId3"/>
+            <a:stretch>
+              <a:fillRect/>
+            </a:stretch>
+          </p:blipFill>
+          <p:spPr>
+            <a:xfrm>
+              <a:off x="5081930" y="2397607"/>
+              <a:ext cx="6616734" cy="3258476"/>
+            </a:xfrm>
+            <a:prstGeom prst="rect">
+              <a:avLst/>
+            </a:prstGeom>
+          </p:spPr>
+        </p:pic>
+        <p:sp>
+          <p:nvSpPr>
+            <p:cNvPr id="10" name="사각형: 둥근 모서리 26"/>
+            <p:cNvSpPr/>
+            <p:nvPr/>
+          </p:nvSpPr>
+          <p:spPr>
+            <a:xfrm>
+              <a:off x="5081930" y="2547258"/>
+              <a:ext cx="898992" cy="401217"/>
+            </a:xfrm>
+            <a:prstGeom prst="roundRect">
+              <a:avLst>
+                <a:gd name="adj" fmla="val 16667"/>
+              </a:avLst>
+            </a:prstGeom>
+            <a:noFill/>
+            <a:ln w="28575">
+              <a:solidFill>
+                <a:srgbClr val="c00000"/>
+              </a:solidFill>
+              <a:miter/>
+            </a:ln>
+          </p:spPr>
+          <p:txBody>
+            <a:bodyPr anchor="ctr"/>
+            <a:lstStyle/>
+            <a:p>
+              <a:pPr algn="l">
+                <a:lnSpc>
+                  <a:spcPct val="150000"/>
+                </a:lnSpc>
+                <a:buFontTx/>
+                <a:buNone/>
+                <a:defRPr/>
+              </a:pPr>
+              <a:endParaRPr lang="ko-KR" altLang="en-US">
+                <a:solidFill>
+                  <a:srgbClr val="000099"/>
+                </a:solidFill>
+                <a:latin typeface="+mn-ea"/>
+                <a:ea typeface="+mn-ea"/>
+                <a:cs typeface="Arial Unicode MS"/>
+              </a:endParaRPr>
+            </a:p>
+          </p:txBody>
+        </p:sp>
+        <p:sp>
+          <p:nvSpPr>
+            <p:cNvPr id="11" name="사각형: 둥근 모서리 27"/>
+            <p:cNvSpPr/>
+            <p:nvPr/>
+          </p:nvSpPr>
+          <p:spPr>
+            <a:xfrm>
+              <a:off x="5980921" y="2550368"/>
+              <a:ext cx="1231641" cy="401217"/>
+            </a:xfrm>
+            <a:prstGeom prst="roundRect">
+              <a:avLst>
+                <a:gd name="adj" fmla="val 16667"/>
+              </a:avLst>
+            </a:prstGeom>
+            <a:noFill/>
+            <a:ln w="28575">
+              <a:solidFill>
+                <a:srgbClr val="c00000"/>
+              </a:solidFill>
+              <a:miter/>
+            </a:ln>
+          </p:spPr>
+          <p:txBody>
+            <a:bodyPr anchor="ctr"/>
+            <a:lstStyle/>
+            <a:p>
+              <a:pPr algn="l">
+                <a:lnSpc>
+                  <a:spcPct val="150000"/>
+                </a:lnSpc>
+                <a:buFontTx/>
+                <a:buNone/>
+                <a:defRPr/>
+              </a:pPr>
+              <a:endParaRPr lang="ko-KR" altLang="en-US">
+                <a:solidFill>
+                  <a:srgbClr val="000099"/>
+                </a:solidFill>
+                <a:latin typeface="+mn-ea"/>
+                <a:ea typeface="+mn-ea"/>
+                <a:cs typeface="Arial Unicode MS"/>
+              </a:endParaRPr>
+            </a:p>
+          </p:txBody>
+        </p:sp>
+        <p:sp>
+          <p:nvSpPr>
+            <p:cNvPr id="12" name="사각형: 둥근 모서리 28"/>
+            <p:cNvSpPr/>
+            <p:nvPr/>
+          </p:nvSpPr>
+          <p:spPr>
+            <a:xfrm>
+              <a:off x="5081929" y="2984552"/>
+              <a:ext cx="1085605" cy="401217"/>
+            </a:xfrm>
+            <a:prstGeom prst="roundRect">
+              <a:avLst>
+                <a:gd name="adj" fmla="val 16667"/>
+              </a:avLst>
+            </a:prstGeom>
+            <a:noFill/>
+            <a:ln w="28575">
+              <a:solidFill>
+                <a:srgbClr val="c00000"/>
+              </a:solidFill>
+              <a:miter/>
+            </a:ln>
+          </p:spPr>
+          <p:txBody>
+            <a:bodyPr anchor="ctr"/>
+            <a:lstStyle/>
+            <a:p>
+              <a:pPr algn="l">
+                <a:lnSpc>
+                  <a:spcPct val="150000"/>
+                </a:lnSpc>
+                <a:buFontTx/>
+                <a:buNone/>
+                <a:defRPr/>
+              </a:pPr>
+              <a:endParaRPr lang="ko-KR" altLang="en-US">
+                <a:solidFill>
+                  <a:srgbClr val="000099"/>
+                </a:solidFill>
+                <a:latin typeface="+mn-ea"/>
+                <a:ea typeface="+mn-ea"/>
+                <a:cs typeface="Arial Unicode MS"/>
+              </a:endParaRPr>
+            </a:p>
+          </p:txBody>
+        </p:sp>
+        <p:sp>
+          <p:nvSpPr>
+            <p:cNvPr id="13" name="사각형: 둥근 모서리 31"/>
+            <p:cNvSpPr/>
+            <p:nvPr/>
+          </p:nvSpPr>
+          <p:spPr>
+            <a:xfrm>
+              <a:off x="6371467" y="2973050"/>
+              <a:ext cx="841095" cy="401217"/>
+            </a:xfrm>
+            <a:prstGeom prst="roundRect">
+              <a:avLst>
+                <a:gd name="adj" fmla="val 16667"/>
+              </a:avLst>
+            </a:prstGeom>
+            <a:noFill/>
+            <a:ln w="28575">
+              <a:solidFill>
+                <a:srgbClr val="c00000"/>
+              </a:solidFill>
+              <a:miter/>
+            </a:ln>
+          </p:spPr>
+          <p:txBody>
+            <a:bodyPr anchor="ctr"/>
+            <a:lstStyle/>
+            <a:p>
+              <a:pPr algn="l">
+                <a:lnSpc>
+                  <a:spcPct val="150000"/>
+                </a:lnSpc>
+                <a:buFontTx/>
+                <a:buNone/>
+                <a:defRPr/>
+              </a:pPr>
+              <a:endParaRPr lang="ko-KR" altLang="en-US">
+                <a:solidFill>
+                  <a:srgbClr val="000099"/>
+                </a:solidFill>
+                <a:latin typeface="+mn-ea"/>
+                <a:ea typeface="+mn-ea"/>
+                <a:cs typeface="Arial Unicode MS"/>
+              </a:endParaRPr>
+            </a:p>
+          </p:txBody>
+        </p:sp>
+      </p:grpSp>
+    </p:spTree>
+  </p:cSld>
+  <p:clrMapOvr>
+    <a:masterClrMapping/>
+  </p:clrMapOvr>
+  <mc:AlternateContent xmlns:mc="http://schemas.openxmlformats.org/markup-compatibility/2006">
+    <mc:Choice xmlns:p14="http://schemas.microsoft.com/office/powerpoint/2010/main" Requires="p14">
+      <p:transition xmlns:mc="http://schemas.openxmlformats.org/markup-compatibility/2006" xmlns:p14="http://schemas.microsoft.com/office/powerpoint/2010/main" mc:Ignorable="p14" p14:dur="500"/>
+    </mc:Choice>
+    <mc:Fallback>
+      <p:transition/>
+    </mc:Fallback>
+  </mc:AlternateContent>
+</p:sld>
+</file>
+
+<file path=ppt/slides/slide7.xml><?xml version="1.0" encoding="utf-8"?>
 <p:sld xmlns:r="http://schemas.openxmlformats.org/officeDocument/2006/relationships" xmlns:c="http://schemas.openxmlformats.org/drawingml/2006/chart" xmlns:a="http://schemas.openxmlformats.org/drawingml/2006/main" xmlns:dgm="http://schemas.openxmlformats.org/drawingml/2006/diagram" xmlns:dsp="http://schemas.microsoft.com/office/drawing/2008/diagram" xmlns:p="http://schemas.openxmlformats.org/presentationml/2006/main">
   <p:cSld>
     <p:spTree>
@@ -5246,7 +5783,7 @@
 </p:sld>
 </file>
 
-<file path=ppt/slides/slide7.xml><?xml version="1.0" encoding="utf-8"?>
+<file path=ppt/slides/slide8.xml><?xml version="1.0" encoding="utf-8"?>
 <p:sld xmlns:r="http://schemas.openxmlformats.org/officeDocument/2006/relationships" xmlns:c="http://schemas.openxmlformats.org/drawingml/2006/chart" xmlns:a="http://schemas.openxmlformats.org/drawingml/2006/main" xmlns:dgm="http://schemas.openxmlformats.org/drawingml/2006/diagram" xmlns:dsp="http://schemas.microsoft.com/office/drawing/2008/diagram" xmlns:p="http://schemas.openxmlformats.org/presentationml/2006/main">
   <p:cSld>
     <p:spTree>
@@ -5540,7 +6077,7 @@
 </p:sld>
 </file>
 
-<file path=ppt/slides/slide8.xml><?xml version="1.0" encoding="utf-8"?>
+<file path=ppt/slides/slide9.xml><?xml version="1.0" encoding="utf-8"?>
 <p:sld xmlns:r="http://schemas.openxmlformats.org/officeDocument/2006/relationships" xmlns:c="http://schemas.openxmlformats.org/drawingml/2006/chart" xmlns:a="http://schemas.openxmlformats.org/drawingml/2006/main" xmlns:dgm="http://schemas.openxmlformats.org/drawingml/2006/diagram" xmlns:dsp="http://schemas.microsoft.com/office/drawing/2008/diagram" xmlns:p="http://schemas.openxmlformats.org/presentationml/2006/main">
   <p:cSld>
     <p:spTree>
@@ -5846,7 +6383,7 @@
                   <a:sysClr val="windowText" lastClr="000000"/>
                 </a:solidFill>
               </a:rPr>
-              <a:t>(7</a:t>
+              <a:t>(8</a:t>
             </a:r>
             <a:r>
               <a:rPr lang="ko-KR" altLang="en-US">
@@ -6050,7 +6587,29 @@
                 <a:ea typeface="맑은 고딕"/>
                 <a:cs typeface="맑은 고딕"/>
               </a:rPr>
-              <a:t>5</a:t>
+              <a:t>5,</a:t>
+            </a:r>
+            <a:r>
+              <a:rPr xmlns:mc="http://schemas.openxmlformats.org/markup-compatibility/2006" xmlns:hp="http://schemas.haansoft.com/office/presentation/8.0" kumimoji="0" lang="ko-KR" altLang="en-US" sz="1800" b="0" i="0" u="none" strike="noStrike" kern="1200" cap="none" spc="0" normalizeH="0" baseline="0" mc:Ignorable="hp" hp:hslEmbossed="0">
+                <a:solidFill>
+                  <a:srgbClr val="000000"/>
+                </a:solidFill>
+                <a:latin typeface="Calibri"/>
+                <a:ea typeface="맑은 고딕"/>
+                <a:cs typeface="맑은 고딕"/>
+              </a:rPr>
+              <a:t> </a:t>
+            </a:r>
+            <a:r>
+              <a:rPr xmlns:mc="http://schemas.openxmlformats.org/markup-compatibility/2006" xmlns:hp="http://schemas.haansoft.com/office/presentation/8.0" kumimoji="0" lang="en-US" altLang="ko-KR" sz="1800" b="0" i="0" u="none" strike="noStrike" kern="1200" cap="none" spc="0" normalizeH="0" baseline="0" mc:Ignorable="hp" hp:hslEmbossed="0">
+                <a:solidFill>
+                  <a:srgbClr val="000000"/>
+                </a:solidFill>
+                <a:latin typeface="Calibri"/>
+                <a:ea typeface="맑은 고딕"/>
+                <a:cs typeface="맑은 고딕"/>
+              </a:rPr>
+              <a:t>6</a:t>
             </a:r>
             <a:r>
               <a:rPr xmlns:mc="http://schemas.openxmlformats.org/markup-compatibility/2006" xmlns:hp="http://schemas.haansoft.com/office/presentation/8.0" kumimoji="0" lang="ko-KR" altLang="en-US" sz="1800" b="0" i="0" u="none" strike="noStrike" kern="1200" cap="none" spc="0" normalizeH="0" baseline="0" mc:Ignorable="hp" hp:hslEmbossed="0">
@@ -6156,7 +6715,7 @@
                 <a:ea typeface="맑은 고딕"/>
                 <a:cs typeface="맑은 고딕"/>
               </a:rPr>
-              <a:t>(6</a:t>
+              <a:t>(7</a:t>
             </a:r>
             <a:r>
               <a:rPr xmlns:mc="http://schemas.openxmlformats.org/markup-compatibility/2006" xmlns:hp="http://schemas.haansoft.com/office/presentation/8.0" kumimoji="0" lang="ko-KR" altLang="en-US" sz="1800" b="0" i="0" u="none" strike="noStrike" kern="1200" cap="none" spc="0" normalizeH="0" baseline="0" mc:Ignorable="hp" hp:hslEmbossed="0">

--- a/A조 발표/A조 폼보드.pptx
+++ b/A조 발표/A조 폼보드.pptx
@@ -2,7 +2,7 @@
 <file path=ppt/presentation.xml><?xml version="1.0" encoding="utf-8"?>
 <p:presentation xmlns:r="http://schemas.openxmlformats.org/officeDocument/2006/relationships" xmlns:c="http://schemas.openxmlformats.org/drawingml/2006/chart" xmlns:a="http://schemas.openxmlformats.org/drawingml/2006/main" xmlns:dgm="http://schemas.openxmlformats.org/drawingml/2006/diagram" xmlns:dsp="http://schemas.microsoft.com/office/drawing/2008/diagram" xmlns:p="http://schemas.openxmlformats.org/presentationml/2006/main">
   <p:sldMasterIdLst>
-    <p:sldMasterId id="2147483689" r:id="rId1"/>
+    <p:sldMasterId id="2147483684" r:id="rId1"/>
   </p:sldMasterIdLst>
   <p:notesMasterIdLst>
     <p:notesMasterId r:id="rId2"/>
@@ -10,12 +10,12 @@
   <p:sldIdLst>
     <p:sldId id="261" r:id="rId3"/>
     <p:sldId id="270" r:id="rId4"/>
-    <p:sldId id="275" r:id="rId5"/>
+    <p:sldId id="279" r:id="rId5"/>
     <p:sldId id="276" r:id="rId6"/>
     <p:sldId id="272" r:id="rId7"/>
     <p:sldId id="278" r:id="rId8"/>
     <p:sldId id="277" r:id="rId9"/>
-    <p:sldId id="271" r:id="rId10"/>
+    <p:sldId id="275" r:id="rId10"/>
     <p:sldId id="262" r:id="rId11"/>
   </p:sldIdLst>
   <p:sldSz cx="12192000" cy="6858000"/>
@@ -213,7 +213,7 @@
               <a:pPr lvl="0">
                 <a:defRPr/>
               </a:pPr>
-              <a:t>2022-10-24</a:t>
+              <a:t>2022-10-25</a:t>
             </a:fld>
             <a:endParaRPr lang="ko-KR" altLang="en-US"/>
           </a:p>
@@ -528,34 +528,24 @@
       </p:grpSpPr>
       <p:sp>
         <p:nvSpPr>
-          <p:cNvPr id="2" name="슬라이드 이미지 개체 틀 3"/>
+          <p:cNvPr id="2" name="슬라이드 이미지 개체 틀 1"/>
           <p:cNvSpPr>
             <a:spLocks noGrp="1" noRot="1" noChangeAspect="1" noTextEdit="1"/>
           </p:cNvSpPr>
           <p:nvPr>
-            <p:ph type="sldImg" idx="2"/>
+            <p:ph type="sldImg" idx="0"/>
           </p:nvPr>
         </p:nvSpPr>
         <p:spPr/>
-        <p:txBody>
-          <a:bodyPr/>
-          <a:lstStyle/>
-          <a:p>
-            <a:pPr>
-              <a:defRPr/>
-            </a:pPr>
-            <a:endParaRPr lang="en-US" altLang="ko-KR"/>
-          </a:p>
-        </p:txBody>
-      </p:sp>
-      <p:sp>
-        <p:nvSpPr>
-          <p:cNvPr id="3" name="슬라이드 노트 개체 틀 4"/>
+      </p:sp>
+      <p:sp>
+        <p:nvSpPr>
+          <p:cNvPr id="3" name="슬라이드 노트 개체 틀 2"/>
           <p:cNvSpPr>
             <a:spLocks noGrp="1"/>
           </p:cNvSpPr>
           <p:nvPr>
-            <p:ph type="body" sz="quarter" idx="3"/>
+            <p:ph type="body" idx="1"/>
           </p:nvPr>
         </p:nvSpPr>
         <p:spPr/>
@@ -563,7 +553,7 @@
           <a:bodyPr/>
           <a:lstStyle/>
           <a:p>
-            <a:pPr>
+            <a:pPr lvl="0">
               <a:defRPr/>
             </a:pPr>
             <a:r>
@@ -576,7 +566,7 @@
       </p:sp>
       <p:sp>
         <p:nvSpPr>
-          <p:cNvPr id="4" name="슬라이드 번호 개체 틀 6"/>
+          <p:cNvPr id="4" name="슬라이드 번호 개체 틀 3"/>
           <p:cNvSpPr>
             <a:spLocks noGrp="1"/>
           </p:cNvSpPr>
@@ -597,7 +587,7 @@
               <a:pPr lvl="0">
                 <a:defRPr/>
               </a:pPr>
-              <a:t>3</a:t>
+              <a:t>7</a:t>
             </a:fld>
             <a:endParaRPr lang="en-US" altLang="en-US"/>
           </a:p>
@@ -630,24 +620,34 @@
       </p:grpSpPr>
       <p:sp>
         <p:nvSpPr>
-          <p:cNvPr id="2" name="슬라이드 이미지 개체 틀 1"/>
+          <p:cNvPr id="2" name="슬라이드 이미지 개체 틀 3"/>
           <p:cNvSpPr>
             <a:spLocks noGrp="1" noRot="1" noChangeAspect="1" noTextEdit="1"/>
           </p:cNvSpPr>
           <p:nvPr>
-            <p:ph type="sldImg" idx="0"/>
+            <p:ph type="sldImg" idx="2"/>
           </p:nvPr>
         </p:nvSpPr>
         <p:spPr/>
-      </p:sp>
-      <p:sp>
-        <p:nvSpPr>
-          <p:cNvPr id="3" name="슬라이드 노트 개체 틀 2"/>
+        <p:txBody>
+          <a:bodyPr/>
+          <a:lstStyle/>
+          <a:p>
+            <a:pPr>
+              <a:defRPr/>
+            </a:pPr>
+            <a:endParaRPr lang="en-US" altLang="ko-KR"/>
+          </a:p>
+        </p:txBody>
+      </p:sp>
+      <p:sp>
+        <p:nvSpPr>
+          <p:cNvPr id="3" name="슬라이드 노트 개체 틀 4"/>
           <p:cNvSpPr>
             <a:spLocks noGrp="1"/>
           </p:cNvSpPr>
           <p:nvPr>
-            <p:ph type="body" idx="1"/>
+            <p:ph type="body" sz="quarter" idx="3"/>
           </p:nvPr>
         </p:nvSpPr>
         <p:spPr/>
@@ -655,7 +655,7 @@
           <a:bodyPr/>
           <a:lstStyle/>
           <a:p>
-            <a:pPr lvl="0">
+            <a:pPr>
               <a:defRPr/>
             </a:pPr>
             <a:r>
@@ -668,7 +668,7 @@
       </p:sp>
       <p:sp>
         <p:nvSpPr>
-          <p:cNvPr id="4" name="슬라이드 번호 개체 틀 3"/>
+          <p:cNvPr id="4" name="슬라이드 번호 개체 틀 6"/>
           <p:cNvSpPr>
             <a:spLocks noGrp="1"/>
           </p:cNvSpPr>
@@ -689,7 +689,7 @@
               <a:pPr lvl="0">
                 <a:defRPr/>
               </a:pPr>
-              <a:t>6</a:t>
+              <a:t>8</a:t>
             </a:fld>
             <a:endParaRPr lang="en-US" altLang="en-US"/>
           </a:p>
@@ -3890,30 +3890,455 @@
           <a:chExt cx="0" cy="0"/>
         </a:xfrm>
       </p:grpSpPr>
-      <p:pic>
-        <p:nvPicPr>
-          <p:cNvPr id="230" name=""/>
-          <p:cNvPicPr>
-            <a:picLocks noChangeAspect="1"/>
-          </p:cNvPicPr>
+      <p:grpSp>
+        <p:nvGrpSpPr>
+          <p:cNvPr id="4" name="그룹 7"/>
+          <p:cNvGrpSpPr/>
           <p:nvPr/>
-        </p:nvPicPr>
-        <p:blipFill rotWithShape="1">
-          <a:blip r:embed="rId3"/>
-          <a:stretch>
-            <a:fillRect/>
-          </a:stretch>
-        </p:blipFill>
-        <p:spPr>
-          <a:xfrm>
-            <a:off x="1081088" y="561975"/>
-            <a:ext cx="10029825" cy="5734050"/>
+        </p:nvGrpSpPr>
+        <p:grpSpPr>
+          <a:xfrm rot="0">
+            <a:off x="299752" y="1231636"/>
+            <a:ext cx="5088185" cy="4401569"/>
+            <a:chOff x="299752" y="1231636"/>
+            <a:chExt cx="5088185" cy="4401569"/>
           </a:xfrm>
-          <a:prstGeom prst="rect">
-            <a:avLst/>
-          </a:prstGeom>
-        </p:spPr>
-      </p:pic>
+        </p:grpSpPr>
+        <p:pic>
+          <p:nvPicPr>
+            <p:cNvPr id="5" name="그림 14"/>
+            <p:cNvPicPr>
+              <a:picLocks noChangeAspect="1"/>
+            </p:cNvPicPr>
+            <p:nvPr/>
+          </p:nvPicPr>
+          <p:blipFill rotWithShape="1">
+            <a:blip r:embed="rId2"/>
+            <a:stretch>
+              <a:fillRect/>
+            </a:stretch>
+          </p:blipFill>
+          <p:spPr>
+            <a:xfrm>
+              <a:off x="299752" y="1231636"/>
+              <a:ext cx="5088185" cy="4401569"/>
+            </a:xfrm>
+            <a:prstGeom prst="rect">
+              <a:avLst/>
+            </a:prstGeom>
+          </p:spPr>
+        </p:pic>
+        <p:sp>
+          <p:nvSpPr>
+            <p:cNvPr id="6" name="직사각형 13"/>
+            <p:cNvSpPr/>
+            <p:nvPr/>
+          </p:nvSpPr>
+          <p:spPr>
+            <a:xfrm>
+              <a:off x="429208" y="1295721"/>
+              <a:ext cx="4879910" cy="550609"/>
+            </a:xfrm>
+            <a:prstGeom prst="rect">
+              <a:avLst/>
+            </a:prstGeom>
+            <a:noFill/>
+            <a:ln w="38100">
+              <a:solidFill>
+                <a:srgbClr val="c00000"/>
+              </a:solidFill>
+              <a:miter/>
+            </a:ln>
+          </p:spPr>
+          <p:txBody>
+            <a:bodyPr anchor="ctr"/>
+            <a:lstStyle/>
+            <a:p>
+              <a:pPr algn="l">
+                <a:lnSpc>
+                  <a:spcPct val="150000"/>
+                </a:lnSpc>
+                <a:buFontTx/>
+                <a:buNone/>
+                <a:defRPr/>
+              </a:pPr>
+              <a:endParaRPr lang="ko-KR" altLang="en-US">
+                <a:solidFill>
+                  <a:srgbClr val="000099"/>
+                </a:solidFill>
+                <a:latin typeface="+mn-ea"/>
+                <a:ea typeface="+mn-ea"/>
+                <a:cs typeface="Arial Unicode MS"/>
+              </a:endParaRPr>
+            </a:p>
+          </p:txBody>
+        </p:sp>
+      </p:grpSp>
+      <p:grpSp>
+        <p:nvGrpSpPr>
+          <p:cNvPr id="7" name="그룹 1"/>
+          <p:cNvGrpSpPr/>
+          <p:nvPr/>
+        </p:nvGrpSpPr>
+        <p:grpSpPr>
+          <a:xfrm rot="0">
+            <a:off x="5641750" y="1483005"/>
+            <a:ext cx="6024637" cy="1250590"/>
+            <a:chOff x="5946705" y="1716543"/>
+            <a:chExt cx="5719681" cy="1250590"/>
+          </a:xfrm>
+        </p:grpSpPr>
+        <p:sp>
+          <p:nvSpPr>
+            <p:cNvPr id="8" name="TextBox 11"/>
+            <p:cNvSpPr txBox="1"/>
+            <p:nvPr/>
+          </p:nvSpPr>
+          <p:spPr>
+            <a:xfrm>
+              <a:off x="5946705" y="1716543"/>
+              <a:ext cx="3167701" cy="332931"/>
+            </a:xfrm>
+            <a:prstGeom prst="rect">
+              <a:avLst/>
+            </a:prstGeom>
+            <a:noFill/>
+          </p:spPr>
+          <p:txBody>
+            <a:bodyPr wrap="square">
+              <a:spAutoFit/>
+            </a:bodyPr>
+            <a:lstStyle/>
+            <a:p>
+              <a:pPr lvl="0">
+                <a:defRPr/>
+              </a:pPr>
+              <a:r>
+                <a:rPr lang="en-US" altLang="ko-KR" sz="1600" b="1">
+                  <a:latin typeface="Amasis MT Pro Black"/>
+                </a:rPr>
+                <a:t>[ Total Running/ Cleaning  Time</a:t>
+              </a:r>
+              <a:r>
+                <a:rPr lang="ko-KR" altLang="en-US" sz="1600" b="1">
+                  <a:latin typeface="Amasis MT Pro Black"/>
+                </a:rPr>
+                <a:t> </a:t>
+              </a:r>
+              <a:r>
+                <a:rPr lang="en-US" altLang="ko-KR" sz="1600" b="1">
+                  <a:latin typeface="Amasis MT Pro Black"/>
+                </a:rPr>
+                <a:t>]</a:t>
+              </a:r>
+              <a:endParaRPr lang="en-US" altLang="ko-KR" sz="1600" b="1">
+                <a:latin typeface="Amasis MT Pro Black"/>
+              </a:endParaRPr>
+            </a:p>
+          </p:txBody>
+        </p:sp>
+        <p:pic>
+          <p:nvPicPr>
+            <p:cNvPr id="9" name="그림 2" descr="텍스트이(가) 표시된 사진  자동 생성된 설명"/>
+            <p:cNvPicPr>
+              <a:picLocks noChangeAspect="1"/>
+            </p:cNvPicPr>
+            <p:nvPr/>
+          </p:nvPicPr>
+          <p:blipFill rotWithShape="1">
+            <a:blip r:embed="rId3"/>
+            <a:stretch>
+              <a:fillRect/>
+            </a:stretch>
+          </p:blipFill>
+          <p:spPr>
+            <a:xfrm>
+              <a:off x="6040013" y="2164087"/>
+              <a:ext cx="5626374" cy="803047"/>
+            </a:xfrm>
+            <a:prstGeom prst="rect">
+              <a:avLst/>
+            </a:prstGeom>
+          </p:spPr>
+        </p:pic>
+      </p:grpSp>
+      <p:grpSp>
+        <p:nvGrpSpPr>
+          <p:cNvPr id="10" name="그룹 3"/>
+          <p:cNvGrpSpPr/>
+          <p:nvPr/>
+        </p:nvGrpSpPr>
+        <p:grpSpPr>
+          <a:xfrm rot="0">
+            <a:off x="5641750" y="3519066"/>
+            <a:ext cx="6365958" cy="2125959"/>
+            <a:chOff x="5946707" y="3519066"/>
+            <a:chExt cx="6061001" cy="2125959"/>
+          </a:xfrm>
+        </p:grpSpPr>
+        <p:sp>
+          <p:nvSpPr>
+            <p:cNvPr id="11" name="TextBox 8"/>
+            <p:cNvSpPr txBox="1"/>
+            <p:nvPr/>
+          </p:nvSpPr>
+          <p:spPr>
+            <a:xfrm>
+              <a:off x="5946707" y="3519066"/>
+              <a:ext cx="2730762" cy="338554"/>
+            </a:xfrm>
+            <a:prstGeom prst="rect">
+              <a:avLst/>
+            </a:prstGeom>
+            <a:noFill/>
+          </p:spPr>
+          <p:txBody>
+            <a:bodyPr wrap="square">
+              <a:spAutoFit/>
+            </a:bodyPr>
+            <a:lstStyle/>
+            <a:p>
+              <a:pPr lvl="0">
+                <a:defRPr/>
+              </a:pPr>
+              <a:r>
+                <a:rPr lang="en-US" altLang="ko-KR" sz="1600" b="1">
+                  <a:latin typeface="Amasis MT Pro Black"/>
+                </a:rPr>
+                <a:t>[ Output / Throughput</a:t>
+              </a:r>
+              <a:r>
+                <a:rPr lang="ko-KR" altLang="en-US" sz="1600" b="1">
+                  <a:latin typeface="Amasis MT Pro Black"/>
+                </a:rPr>
+                <a:t> </a:t>
+              </a:r>
+              <a:r>
+                <a:rPr lang="en-US" altLang="ko-KR" sz="1600" b="1">
+                  <a:latin typeface="Amasis MT Pro Black"/>
+                </a:rPr>
+                <a:t>]</a:t>
+              </a:r>
+              <a:endParaRPr lang="ko-KR" altLang="en-US" sz="1600" b="1">
+                <a:latin typeface="Amasis MT Pro Black"/>
+              </a:endParaRPr>
+            </a:p>
+          </p:txBody>
+        </p:sp>
+        <p:pic>
+          <p:nvPicPr>
+            <p:cNvPr id="12" name="그림 5"/>
+            <p:cNvPicPr>
+              <a:picLocks noChangeAspect="1"/>
+            </p:cNvPicPr>
+            <p:nvPr/>
+          </p:nvPicPr>
+          <p:blipFill rotWithShape="1">
+            <a:blip r:embed="rId4"/>
+            <a:stretch>
+              <a:fillRect/>
+            </a:stretch>
+          </p:blipFill>
+          <p:spPr>
+            <a:xfrm>
+              <a:off x="6040014" y="4178589"/>
+              <a:ext cx="3165993" cy="1466436"/>
+            </a:xfrm>
+            <a:prstGeom prst="rect">
+              <a:avLst/>
+            </a:prstGeom>
+          </p:spPr>
+        </p:pic>
+        <p:sp>
+          <p:nvSpPr>
+            <p:cNvPr id="13" name="TextBox 9"/>
+            <p:cNvSpPr txBox="1"/>
+            <p:nvPr/>
+          </p:nvSpPr>
+          <p:spPr>
+            <a:xfrm>
+              <a:off x="9162659" y="4327031"/>
+              <a:ext cx="2845049" cy="1157464"/>
+            </a:xfrm>
+            <a:prstGeom prst="rect">
+              <a:avLst/>
+            </a:prstGeom>
+            <a:noFill/>
+          </p:spPr>
+          <p:txBody>
+            <a:bodyPr wrap="square">
+              <a:spAutoFit/>
+            </a:bodyPr>
+            <a:lstStyle/>
+            <a:p>
+              <a:pPr marL="171450" indent="-171450">
+                <a:buFont typeface="Arial"/>
+                <a:buChar char="•"/>
+                <a:defRPr/>
+              </a:pPr>
+              <a:r>
+                <a:rPr lang="en-US" altLang="ko-KR" sz="1200" b="1">
+                  <a:solidFill>
+                    <a:srgbClr val="0070c0"/>
+                  </a:solidFill>
+                  <a:latin typeface="Amasis MT Pro Black"/>
+                </a:rPr>
+                <a:t>Output </a:t>
+              </a:r>
+              <a:endParaRPr lang="en-US" altLang="ko-KR" sz="1200" b="1">
+                <a:solidFill>
+                  <a:srgbClr val="0070c0"/>
+                </a:solidFill>
+                <a:latin typeface="Amasis MT Pro Black"/>
+              </a:endParaRPr>
+            </a:p>
+            <a:p>
+              <a:pPr marL="0" indent="0">
+                <a:buFont typeface="Arial"/>
+                <a:buNone/>
+                <a:defRPr/>
+              </a:pPr>
+              <a:r>
+                <a:rPr lang="ko-KR" altLang="en-US" sz="1200" b="1">
+                  <a:solidFill>
+                    <a:srgbClr val="0070c0"/>
+                  </a:solidFill>
+                  <a:latin typeface="Amasis MT Pro Black"/>
+                </a:rPr>
+                <a:t>    공정을 완료한 총 </a:t>
+              </a:r>
+              <a:r>
+                <a:rPr lang="en-US" altLang="ko-KR" sz="1200" b="1">
+                  <a:solidFill>
+                    <a:srgbClr val="0070c0"/>
+                  </a:solidFill>
+                  <a:latin typeface="Amasis MT Pro Black"/>
+                </a:rPr>
+                <a:t>Wafer </a:t>
+              </a:r>
+              <a:r>
+                <a:rPr lang="ko-KR" altLang="en-US" sz="1200" b="1">
+                  <a:solidFill>
+                    <a:srgbClr val="0070c0"/>
+                  </a:solidFill>
+                  <a:latin typeface="Amasis MT Pro Black"/>
+                </a:rPr>
+                <a:t>개수</a:t>
+              </a:r>
+              <a:endParaRPr lang="ko-KR" altLang="en-US" sz="1200" b="1">
+                <a:solidFill>
+                  <a:srgbClr val="0070c0"/>
+                </a:solidFill>
+                <a:latin typeface="Amasis MT Pro Black"/>
+              </a:endParaRPr>
+            </a:p>
+            <a:p>
+              <a:pPr marL="171450" indent="-171450">
+                <a:buFont typeface="Arial"/>
+                <a:buChar char="•"/>
+                <a:defRPr/>
+              </a:pPr>
+              <a:endParaRPr lang="en-US" altLang="ko-KR" sz="1200" b="1">
+                <a:solidFill>
+                  <a:srgbClr val="0070c0"/>
+                </a:solidFill>
+                <a:latin typeface="Amasis MT Pro Black"/>
+              </a:endParaRPr>
+            </a:p>
+            <a:p>
+              <a:pPr marL="171450" indent="-171450">
+                <a:buFont typeface="Arial"/>
+                <a:buChar char="•"/>
+                <a:defRPr/>
+              </a:pPr>
+              <a:r>
+                <a:rPr lang="en-US" altLang="ko-KR" sz="1200" b="1">
+                  <a:solidFill>
+                    <a:srgbClr val="0070c0"/>
+                  </a:solidFill>
+                  <a:latin typeface="Amasis MT Pro Black"/>
+                </a:rPr>
+                <a:t>Throughput</a:t>
+              </a:r>
+              <a:endParaRPr lang="en-US" altLang="ko-KR" sz="1200" b="1">
+                <a:solidFill>
+                  <a:srgbClr val="0070c0"/>
+                </a:solidFill>
+                <a:latin typeface="Amasis MT Pro Black"/>
+              </a:endParaRPr>
+            </a:p>
+            <a:p>
+              <a:pPr marL="0" indent="0">
+                <a:buFont typeface="Arial"/>
+                <a:buNone/>
+                <a:defRPr/>
+              </a:pPr>
+              <a:r>
+                <a:rPr lang="ko-KR" altLang="en-US" sz="1200" b="1">
+                  <a:solidFill>
+                    <a:srgbClr val="0070c0"/>
+                  </a:solidFill>
+                  <a:latin typeface="Amasis MT Pro Black"/>
+                </a:rPr>
+                <a:t>    </a:t>
+              </a:r>
+              <a:r>
+                <a:rPr lang="en-US" altLang="ko-KR" sz="1200" b="1">
+                  <a:solidFill>
+                    <a:srgbClr val="0070c0"/>
+                  </a:solidFill>
+                  <a:latin typeface="Amasis MT Pro Black"/>
+                </a:rPr>
+                <a:t>1</a:t>
+              </a:r>
+              <a:r>
+                <a:rPr lang="ko-KR" altLang="en-US" sz="1200" b="1">
+                  <a:solidFill>
+                    <a:srgbClr val="0070c0"/>
+                  </a:solidFill>
+                  <a:latin typeface="Amasis MT Pro Black"/>
+                </a:rPr>
+                <a:t>시간당 공정 가능한 </a:t>
+              </a:r>
+              <a:r>
+                <a:rPr lang="en-US" altLang="ko-KR" sz="1200" b="1">
+                  <a:solidFill>
+                    <a:srgbClr val="0070c0"/>
+                  </a:solidFill>
+                  <a:latin typeface="Amasis MT Pro Black"/>
+                </a:rPr>
+                <a:t>Wafer </a:t>
+              </a:r>
+              <a:r>
+                <a:rPr lang="ko-KR" altLang="en-US" sz="1200" b="1">
+                  <a:solidFill>
+                    <a:srgbClr val="0070c0"/>
+                  </a:solidFill>
+                  <a:latin typeface="Amasis MT Pro Black"/>
+                </a:rPr>
+                <a:t>개수 </a:t>
+              </a:r>
+              <a:endParaRPr lang="ko-KR" altLang="en-US" sz="1200" b="1">
+                <a:solidFill>
+                  <a:srgbClr val="0070c0"/>
+                </a:solidFill>
+                <a:latin typeface="Amasis MT Pro Black"/>
+              </a:endParaRPr>
+            </a:p>
+            <a:p>
+              <a:pPr marL="171450" indent="-171450">
+                <a:buFont typeface="Arial"/>
+                <a:buChar char="•"/>
+                <a:defRPr/>
+              </a:pPr>
+              <a:endParaRPr lang="ko-KR" altLang="en-US" sz="1000" b="1">
+                <a:latin typeface="+mn-ea"/>
+                <a:ea typeface="+mn-ea"/>
+              </a:endParaRPr>
+            </a:p>
+          </p:txBody>
+        </p:sp>
+      </p:grpSp>
     </p:spTree>
   </p:cSld>
   <p:clrMapOvr>
@@ -4078,7 +4503,7 @@
         <p:spPr>
           <a:xfrm>
             <a:off x="6613317" y="600139"/>
-            <a:ext cx="2641600" cy="1185475"/>
+            <a:ext cx="3401339" cy="1185475"/>
           </a:xfrm>
           <a:prstGeom prst="rect">
             <a:avLst/>
@@ -4359,6 +4784,76 @@
               <a:latin typeface="Calibri"/>
               <a:ea typeface="맑은 고딕"/>
               <a:cs typeface="Arial Unicode MS"/>
+            </a:endParaRPr>
+          </a:p>
+        </p:txBody>
+      </p:sp>
+      <p:sp>
+        <p:nvSpPr>
+          <p:cNvPr id="17" name="TextBox 7"/>
+          <p:cNvSpPr txBox="1"/>
+          <p:nvPr/>
+        </p:nvSpPr>
+        <p:spPr>
+          <a:xfrm>
+            <a:off x="6613317" y="136201"/>
+            <a:ext cx="1557186" cy="338554"/>
+          </a:xfrm>
+          <a:prstGeom prst="rect">
+            <a:avLst/>
+          </a:prstGeom>
+          <a:noFill/>
+        </p:spPr>
+        <p:txBody>
+          <a:bodyPr wrap="square">
+            <a:spAutoFit/>
+          </a:bodyPr>
+          <a:p>
+            <a:pPr marL="0" lvl="0" indent="0" algn="l" defTabSz="457200" rtl="0" eaLnBrk="1" latinLnBrk="0" hangingPunct="1">
+              <a:lnSpc>
+                <a:spcPct val="100000"/>
+              </a:lnSpc>
+              <a:spcBef>
+                <a:spcPct val="0"/>
+              </a:spcBef>
+              <a:spcAft>
+                <a:spcPts val="0"/>
+              </a:spcAft>
+              <a:buNone/>
+              <a:defRPr/>
+            </a:pPr>
+            <a:r>
+              <a:rPr xmlns:mc="http://schemas.openxmlformats.org/markup-compatibility/2006" xmlns:hp="http://schemas.haansoft.com/office/presentation/8.0" kumimoji="0" lang="en-US" altLang="ko-KR" sz="1600" b="1" i="0" u="none" strike="noStrike" kern="1200" cap="none" spc="0" normalizeH="0" baseline="0" mc:Ignorable="hp" hp:hslEmbossed="0">
+                <a:solidFill>
+                  <a:srgbClr val="000000"/>
+                </a:solidFill>
+                <a:latin typeface="Amasis MT Pro Black"/>
+              </a:rPr>
+              <a:t>[ Color Info</a:t>
+            </a:r>
+            <a:r>
+              <a:rPr xmlns:mc="http://schemas.openxmlformats.org/markup-compatibility/2006" xmlns:hp="http://schemas.haansoft.com/office/presentation/8.0" kumimoji="0" lang="ko-KR" altLang="en-US" sz="1600" b="1" i="0" u="none" strike="noStrike" kern="1200" cap="none" spc="0" normalizeH="0" baseline="0" mc:Ignorable="hp" hp:hslEmbossed="0">
+                <a:solidFill>
+                  <a:srgbClr val="000000"/>
+                </a:solidFill>
+                <a:latin typeface="Amasis MT Pro Black"/>
+              </a:rPr>
+              <a:t> </a:t>
+            </a:r>
+            <a:r>
+              <a:rPr xmlns:mc="http://schemas.openxmlformats.org/markup-compatibility/2006" xmlns:hp="http://schemas.haansoft.com/office/presentation/8.0" kumimoji="0" lang="en-US" altLang="ko-KR" sz="1600" b="1" i="0" u="none" strike="noStrike" kern="1200" cap="none" spc="0" normalizeH="0" baseline="0" mc:Ignorable="hp" hp:hslEmbossed="0">
+                <a:solidFill>
+                  <a:srgbClr val="000000"/>
+                </a:solidFill>
+                <a:latin typeface="Amasis MT Pro Black"/>
+              </a:rPr>
+              <a:t>]</a:t>
+            </a:r>
+            <a:endParaRPr xmlns:mc="http://schemas.openxmlformats.org/markup-compatibility/2006" xmlns:hp="http://schemas.haansoft.com/office/presentation/8.0" kumimoji="0" lang="en-US" altLang="ko-KR" sz="1600" b="1" i="0" u="none" strike="noStrike" kern="1200" cap="none" spc="0" normalizeH="0" baseline="0" mc:Ignorable="hp" hp:hslEmbossed="0">
+              <a:solidFill>
+                <a:srgbClr val="000000"/>
+              </a:solidFill>
+              <a:latin typeface="Amasis MT Pro Black"/>
             </a:endParaRPr>
           </a:p>
         </p:txBody>
@@ -4498,7 +4993,7 @@
         <p:spPr>
           <a:xfrm>
             <a:off x="8017978" y="494885"/>
-            <a:ext cx="2028140" cy="400110"/>
+            <a:ext cx="2028140" cy="389035"/>
           </a:xfrm>
           <a:prstGeom prst="rect">
             <a:avLst/>
@@ -4530,7 +5025,7 @@
               <a:rPr lang="en-US" altLang="ko-KR" sz="2000" b="1">
                 <a:latin typeface="Amasis MT Pro Black"/>
               </a:rPr>
-              <a:t>System UI</a:t>
+              <a:t>Machine UI</a:t>
             </a:r>
             <a:r>
               <a:rPr lang="ko-KR" altLang="en-US" sz="2000" b="1">
@@ -5105,7 +5600,7 @@
               <a:pPr lvl="0">
                 <a:defRPr/>
               </a:pPr>
-              <a:t>6</a:t>
+              <a:t>7</a:t>
             </a:fld>
             <a:endParaRPr lang="en-US" altLang="en-US"/>
           </a:p>
@@ -5802,31 +6297,7 @@
       </p:grpSpPr>
       <p:pic>
         <p:nvPicPr>
-          <p:cNvPr id="11" name=""/>
-          <p:cNvPicPr>
-            <a:picLocks noChangeAspect="1"/>
-          </p:cNvPicPr>
-          <p:nvPr/>
-        </p:nvPicPr>
-        <p:blipFill rotWithShape="1">
-          <a:blip r:embed="rId2"/>
-          <a:stretch>
-            <a:fillRect/>
-          </a:stretch>
-        </p:blipFill>
-        <p:spPr>
-          <a:xfrm>
-            <a:off x="3908944" y="3228711"/>
-            <a:ext cx="1895588" cy="1895588"/>
-          </a:xfrm>
-          <a:prstGeom prst="rect">
-            <a:avLst/>
-          </a:prstGeom>
-        </p:spPr>
-      </p:pic>
-      <p:pic>
-        <p:nvPicPr>
-          <p:cNvPr id="12" name=""/>
+          <p:cNvPr id="230" name=""/>
           <p:cNvPicPr>
             <a:picLocks noChangeAspect="1"/>
           </p:cNvPicPr>
@@ -5840,227 +6311,14 @@
         </p:blipFill>
         <p:spPr>
           <a:xfrm>
-            <a:off x="1929793" y="3376505"/>
-            <a:ext cx="1428571" cy="1600000"/>
+            <a:off x="1081088" y="561975"/>
+            <a:ext cx="10029825" cy="5734050"/>
           </a:xfrm>
           <a:prstGeom prst="rect">
             <a:avLst/>
           </a:prstGeom>
         </p:spPr>
       </p:pic>
-      <p:pic>
-        <p:nvPicPr>
-          <p:cNvPr id="13" name=""/>
-          <p:cNvPicPr>
-            <a:picLocks noChangeAspect="1"/>
-          </p:cNvPicPr>
-          <p:nvPr/>
-        </p:nvPicPr>
-        <p:blipFill rotWithShape="1">
-          <a:blip r:embed="rId4"/>
-          <a:stretch>
-            <a:fillRect/>
-          </a:stretch>
-        </p:blipFill>
-        <p:spPr>
-          <a:xfrm>
-            <a:off x="3147031" y="1605283"/>
-            <a:ext cx="1428571" cy="1428571"/>
-          </a:xfrm>
-          <a:prstGeom prst="rect">
-            <a:avLst/>
-          </a:prstGeom>
-        </p:spPr>
-      </p:pic>
-      <p:pic>
-        <p:nvPicPr>
-          <p:cNvPr id="14" name=""/>
-          <p:cNvPicPr>
-            <a:picLocks noChangeAspect="1"/>
-          </p:cNvPicPr>
-          <p:nvPr/>
-        </p:nvPicPr>
-        <p:blipFill rotWithShape="1">
-          <a:blip r:embed="rId5"/>
-          <a:stretch>
-            <a:fillRect/>
-          </a:stretch>
-        </p:blipFill>
-        <p:spPr>
-          <a:xfrm>
-            <a:off x="7363503" y="2839821"/>
-            <a:ext cx="2850863" cy="1178357"/>
-          </a:xfrm>
-          <a:prstGeom prst="rect">
-            <a:avLst/>
-          </a:prstGeom>
-        </p:spPr>
-      </p:pic>
-      <p:sp>
-        <p:nvSpPr>
-          <p:cNvPr id="15" name="사각형: 둥근 모서리 7"/>
-          <p:cNvSpPr/>
-          <p:nvPr/>
-        </p:nvSpPr>
-        <p:spPr>
-          <a:xfrm>
-            <a:off x="1463850" y="3265272"/>
-            <a:ext cx="4794932" cy="1895588"/>
-          </a:xfrm>
-          <a:prstGeom prst="roundRect">
-            <a:avLst>
-              <a:gd name="adj" fmla="val 16667"/>
-            </a:avLst>
-          </a:prstGeom>
-          <a:noFill/>
-          <a:ln w="38100">
-            <a:solidFill>
-              <a:srgbClr val="000000">
-                <a:alpha val="100000"/>
-              </a:srgbClr>
-            </a:solidFill>
-            <a:miter/>
-          </a:ln>
-        </p:spPr>
-        <p:txBody>
-          <a:bodyPr anchor="ctr"/>
-          <a:lstStyle/>
-          <a:p>
-            <a:pPr marL="0" indent="0" algn="ctr" defTabSz="914400" rtl="0" eaLnBrk="1" latinLnBrk="1" hangingPunct="1">
-              <a:lnSpc>
-                <a:spcPct val="150000"/>
-              </a:lnSpc>
-              <a:spcBef>
-                <a:spcPct val="0"/>
-              </a:spcBef>
-              <a:spcAft>
-                <a:spcPts val="0"/>
-              </a:spcAft>
-              <a:buFontTx/>
-              <a:buNone/>
-              <a:defRPr/>
-            </a:pPr>
-            <a:endParaRPr xmlns:mc="http://schemas.openxmlformats.org/markup-compatibility/2006" xmlns:hp="http://schemas.haansoft.com/office/presentation/8.0" kumimoji="0" lang="ko-KR" altLang="en-US" sz="2500" b="0" i="0" u="none" strike="noStrike" kern="1200" cap="none" spc="0" normalizeH="0" baseline="0" mc:Ignorable="hp" hp:hslEmbossed="0">
-              <a:solidFill>
-                <a:srgbClr val="000000"/>
-              </a:solidFill>
-              <a:latin typeface="맑은 고딕"/>
-              <a:ea typeface="맑은 고딕"/>
-              <a:cs typeface="Arial Unicode MS"/>
-            </a:endParaRPr>
-          </a:p>
-        </p:txBody>
-      </p:sp>
-      <p:sp>
-        <p:nvSpPr>
-          <p:cNvPr id="16" name="사각형: 둥근 모서리 7"/>
-          <p:cNvSpPr/>
-          <p:nvPr/>
-        </p:nvSpPr>
-        <p:spPr>
-          <a:xfrm>
-            <a:off x="1300144" y="1389799"/>
-            <a:ext cx="5191808" cy="4078400"/>
-          </a:xfrm>
-          <a:prstGeom prst="roundRect">
-            <a:avLst>
-              <a:gd name="adj" fmla="val 16667"/>
-            </a:avLst>
-          </a:prstGeom>
-          <a:noFill/>
-          <a:ln w="38100">
-            <a:solidFill>
-              <a:srgbClr val="000000">
-                <a:alpha val="100000"/>
-              </a:srgbClr>
-            </a:solidFill>
-            <a:miter/>
-          </a:ln>
-        </p:spPr>
-        <p:txBody>
-          <a:bodyPr anchor="ctr"/>
-          <a:lstStyle/>
-          <a:p>
-            <a:pPr marL="0" indent="0" algn="ctr" defTabSz="914400" rtl="0" eaLnBrk="1" latinLnBrk="1" hangingPunct="1">
-              <a:lnSpc>
-                <a:spcPct val="150000"/>
-              </a:lnSpc>
-              <a:spcBef>
-                <a:spcPct val="0"/>
-              </a:spcBef>
-              <a:spcAft>
-                <a:spcPts val="0"/>
-              </a:spcAft>
-              <a:buFontTx/>
-              <a:buNone/>
-              <a:defRPr/>
-            </a:pPr>
-            <a:endParaRPr xmlns:mc="http://schemas.openxmlformats.org/markup-compatibility/2006" xmlns:hp="http://schemas.haansoft.com/office/presentation/8.0" kumimoji="0" lang="ko-KR" altLang="en-US" sz="2500" b="0" i="0" u="none" strike="noStrike" kern="1200" cap="none" spc="0" normalizeH="0" baseline="0" mc:Ignorable="hp" hp:hslEmbossed="0">
-              <a:solidFill>
-                <a:srgbClr val="000000"/>
-              </a:solidFill>
-              <a:latin typeface="맑은 고딕"/>
-              <a:ea typeface="맑은 고딕"/>
-              <a:cs typeface="Arial Unicode MS"/>
-            </a:endParaRPr>
-          </a:p>
-        </p:txBody>
-      </p:sp>
-      <p:sp>
-        <p:nvSpPr>
-          <p:cNvPr id="17" name="사각형: 둥근 모서리 7"/>
-          <p:cNvSpPr/>
-          <p:nvPr/>
-        </p:nvSpPr>
-        <p:spPr>
-          <a:xfrm>
-            <a:off x="1034035" y="946169"/>
-            <a:ext cx="10123930" cy="4965661"/>
-          </a:xfrm>
-          <a:prstGeom prst="roundRect">
-            <a:avLst>
-              <a:gd name="adj" fmla="val 16667"/>
-            </a:avLst>
-          </a:prstGeom>
-          <a:noFill/>
-          <a:ln w="38100">
-            <a:solidFill>
-              <a:srgbClr val="000000">
-                <a:alpha val="100000"/>
-              </a:srgbClr>
-            </a:solidFill>
-            <a:miter/>
-          </a:ln>
-        </p:spPr>
-        <p:txBody>
-          <a:bodyPr anchor="ctr"/>
-          <a:lstStyle/>
-          <a:p>
-            <a:pPr marL="0" indent="0" algn="ctr" defTabSz="914400" rtl="0" eaLnBrk="1" latinLnBrk="1" hangingPunct="1">
-              <a:lnSpc>
-                <a:spcPct val="150000"/>
-              </a:lnSpc>
-              <a:spcBef>
-                <a:spcPct val="0"/>
-              </a:spcBef>
-              <a:spcAft>
-                <a:spcPts val="0"/>
-              </a:spcAft>
-              <a:buFontTx/>
-              <a:buNone/>
-              <a:defRPr/>
-            </a:pPr>
-            <a:endParaRPr xmlns:mc="http://schemas.openxmlformats.org/markup-compatibility/2006" xmlns:hp="http://schemas.haansoft.com/office/presentation/8.0" kumimoji="0" lang="ko-KR" altLang="en-US" sz="2500" b="0" i="0" u="none" strike="noStrike" kern="1200" cap="none" spc="0" normalizeH="0" baseline="0" mc:Ignorable="hp" hp:hslEmbossed="0">
-              <a:solidFill>
-                <a:srgbClr val="000000"/>
-              </a:solidFill>
-              <a:latin typeface="맑은 고딕"/>
-              <a:ea typeface="맑은 고딕"/>
-              <a:cs typeface="Arial Unicode MS"/>
-            </a:endParaRPr>
-          </a:p>
-        </p:txBody>
-      </p:sp>
     </p:spTree>
   </p:cSld>
   <p:clrMapOvr>
@@ -6194,6 +6452,13 @@
               </a:rPr>
               <a:t>개요 </a:t>
             </a:r>
+            <a:br>
+              <a:rPr lang="en-US" altLang="ko-KR">
+                <a:solidFill>
+                  <a:sysClr val="windowText" lastClr="000000"/>
+                </a:solidFill>
+              </a:rPr>
+            </a:br>
             <a:r>
               <a:rPr lang="en-US" altLang="ko-KR">
                 <a:solidFill>
@@ -6236,97 +6501,13 @@
       </p:sp>
       <p:sp>
         <p:nvSpPr>
-          <p:cNvPr id="6" name="직사각형 5"/>
-          <p:cNvSpPr/>
-          <p:nvPr/>
-        </p:nvSpPr>
-        <p:spPr>
-          <a:xfrm>
-            <a:off x="3498413" y="2376335"/>
-            <a:ext cx="4854166" cy="1113222"/>
-          </a:xfrm>
-          <a:prstGeom prst="rect">
-            <a:avLst/>
-          </a:prstGeom>
-          <a:noFill/>
-          <a:ln w="28575">
-            <a:solidFill>
-              <a:schemeClr val="tx1"/>
-            </a:solidFill>
-          </a:ln>
-        </p:spPr>
-        <p:style>
-          <a:lnRef idx="2">
-            <a:schemeClr val="accent1">
-              <a:shade val="50000"/>
-            </a:schemeClr>
-          </a:lnRef>
-          <a:fillRef idx="1">
-            <a:schemeClr val="accent1"/>
-          </a:fillRef>
-          <a:effectRef idx="0">
-            <a:schemeClr val="accent1"/>
-          </a:effectRef>
-          <a:fontRef idx="minor">
-            <a:schemeClr val="lt1"/>
-          </a:fontRef>
-        </p:style>
-        <p:txBody>
-          <a:bodyPr anchor="ctr"/>
-          <a:lstStyle/>
-          <a:p>
-            <a:pPr algn="ctr">
-              <a:defRPr/>
-            </a:pPr>
-            <a:r>
-              <a:rPr lang="ko-KR" altLang="en-US">
-                <a:solidFill>
-                  <a:sysClr val="windowText" lastClr="000000"/>
-                </a:solidFill>
-              </a:rPr>
-              <a:t>흐름도</a:t>
-            </a:r>
-            <a:r>
-              <a:rPr lang="en-US" altLang="ko-KR">
-                <a:solidFill>
-                  <a:sysClr val="windowText" lastClr="000000"/>
-                </a:solidFill>
-              </a:rPr>
-              <a:t>(3</a:t>
-            </a:r>
-            <a:r>
-              <a:rPr lang="ko-KR" altLang="en-US">
-                <a:solidFill>
-                  <a:sysClr val="windowText" lastClr="000000"/>
-                </a:solidFill>
-              </a:rPr>
-              <a:t>번 슬라이드</a:t>
-            </a:r>
-            <a:r>
-              <a:rPr lang="en-US" altLang="ko-KR">
-                <a:solidFill>
-                  <a:sysClr val="windowText" lastClr="000000"/>
-                </a:solidFill>
-              </a:rPr>
-              <a:t>)</a:t>
-            </a:r>
-            <a:endParaRPr lang="en-US" altLang="ko-KR">
-              <a:solidFill>
-                <a:sysClr val="windowText" lastClr="000000"/>
-              </a:solidFill>
-            </a:endParaRPr>
-          </a:p>
-        </p:txBody>
-      </p:sp>
-      <p:sp>
-        <p:nvSpPr>
           <p:cNvPr id="12" name="직사각형 11"/>
           <p:cNvSpPr/>
           <p:nvPr/>
         </p:nvSpPr>
         <p:spPr>
           <a:xfrm>
-            <a:off x="5979063" y="5147972"/>
+            <a:off x="5990374" y="4959269"/>
             <a:ext cx="2373515" cy="1257027"/>
           </a:xfrm>
           <a:prstGeom prst="rect">
@@ -6363,12 +6544,12 @@
               <a:defRPr/>
             </a:pPr>
             <a:r>
-              <a:rPr lang="ko-KR" altLang="en-US">
+              <a:rPr lang="en-US" altLang="ko-KR">
                 <a:solidFill>
                   <a:sysClr val="windowText" lastClr="000000"/>
                 </a:solidFill>
               </a:rPr>
-              <a:t>개발기술 및 도구</a:t>
+              <a:t>Basic Flow Chart</a:t>
             </a:r>
             <a:br>
               <a:rPr lang="ko-KR" altLang="en-US">
@@ -6495,164 +6676,13 @@
       </p:sp>
       <p:sp>
         <p:nvSpPr>
-          <p:cNvPr id="21" name="직사각형 4"/>
-          <p:cNvSpPr/>
-          <p:nvPr/>
-        </p:nvSpPr>
-        <p:spPr>
-          <a:xfrm>
-            <a:off x="3498412" y="3579828"/>
-            <a:ext cx="4854166" cy="1468631"/>
-          </a:xfrm>
-          <a:prstGeom prst="rect">
-            <a:avLst/>
-          </a:prstGeom>
-          <a:noFill/>
-          <a:ln w="28575" cap="flat" cmpd="sng" algn="ctr">
-            <a:solidFill>
-              <a:srgbClr val="000000">
-                <a:alpha val="100000"/>
-              </a:srgbClr>
-            </a:solidFill>
-            <a:prstDash val="solid"/>
-            <a:miter/>
-          </a:ln>
-        </p:spPr>
-        <p:txBody>
-          <a:bodyPr anchor="ctr"/>
-          <a:p>
-            <a:pPr marL="0" indent="0" algn="ctr" defTabSz="457200" rtl="0" eaLnBrk="1" latinLnBrk="0" hangingPunct="1">
-              <a:lnSpc>
-                <a:spcPct val="100000"/>
-              </a:lnSpc>
-              <a:spcBef>
-                <a:spcPct val="0"/>
-              </a:spcBef>
-              <a:spcAft>
-                <a:spcPts val="0"/>
-              </a:spcAft>
-              <a:buNone/>
-              <a:defRPr/>
-            </a:pPr>
-            <a:r>
-              <a:rPr xmlns:mc="http://schemas.openxmlformats.org/markup-compatibility/2006" xmlns:hp="http://schemas.haansoft.com/office/presentation/8.0" kumimoji="0" lang="en-US" altLang="ko-KR" sz="1800" b="0" i="0" u="none" strike="noStrike" kern="1200" cap="none" spc="0" normalizeH="0" baseline="0" mc:Ignorable="hp" hp:hslEmbossed="0">
-                <a:solidFill>
-                  <a:srgbClr val="000000"/>
-                </a:solidFill>
-                <a:latin typeface="Calibri"/>
-                <a:ea typeface="맑은 고딕"/>
-                <a:cs typeface="맑은 고딕"/>
-              </a:rPr>
-              <a:t>Main UI</a:t>
-            </a:r>
-            <a:r>
-              <a:rPr xmlns:mc="http://schemas.openxmlformats.org/markup-compatibility/2006" xmlns:hp="http://schemas.haansoft.com/office/presentation/8.0" kumimoji="0" lang="ko-KR" altLang="en-US" sz="1800" b="0" i="0" u="none" strike="noStrike" kern="1200" cap="none" spc="0" normalizeH="0" baseline="0" mc:Ignorable="hp" hp:hslEmbossed="0">
-                <a:solidFill>
-                  <a:srgbClr val="000000"/>
-                </a:solidFill>
-                <a:latin typeface="Calibri"/>
-                <a:ea typeface="맑은 고딕"/>
-                <a:cs typeface="맑은 고딕"/>
-              </a:rPr>
-              <a:t> </a:t>
-            </a:r>
-            <a:r>
-              <a:rPr xmlns:mc="http://schemas.openxmlformats.org/markup-compatibility/2006" xmlns:hp="http://schemas.haansoft.com/office/presentation/8.0" kumimoji="0" lang="en-US" altLang="ko-KR" sz="1800" b="0" i="0" u="none" strike="noStrike" kern="1200" cap="none" spc="0" normalizeH="0" baseline="0" mc:Ignorable="hp" hp:hslEmbossed="0">
-                <a:solidFill>
-                  <a:srgbClr val="000000"/>
-                </a:solidFill>
-                <a:latin typeface="Calibri"/>
-                <a:ea typeface="맑은 고딕"/>
-                <a:cs typeface="맑은 고딕"/>
-              </a:rPr>
-              <a:t>(4,</a:t>
-            </a:r>
-            <a:r>
-              <a:rPr xmlns:mc="http://schemas.openxmlformats.org/markup-compatibility/2006" xmlns:hp="http://schemas.haansoft.com/office/presentation/8.0" kumimoji="0" lang="ko-KR" altLang="en-US" sz="1800" b="0" i="0" u="none" strike="noStrike" kern="1200" cap="none" spc="0" normalizeH="0" baseline="0" mc:Ignorable="hp" hp:hslEmbossed="0">
-                <a:solidFill>
-                  <a:srgbClr val="000000"/>
-                </a:solidFill>
-                <a:latin typeface="Calibri"/>
-                <a:ea typeface="맑은 고딕"/>
-                <a:cs typeface="맑은 고딕"/>
-              </a:rPr>
-              <a:t> </a:t>
-            </a:r>
-            <a:r>
-              <a:rPr xmlns:mc="http://schemas.openxmlformats.org/markup-compatibility/2006" xmlns:hp="http://schemas.haansoft.com/office/presentation/8.0" kumimoji="0" lang="en-US" altLang="ko-KR" sz="1800" b="0" i="0" u="none" strike="noStrike" kern="1200" cap="none" spc="0" normalizeH="0" baseline="0" mc:Ignorable="hp" hp:hslEmbossed="0">
-                <a:solidFill>
-                  <a:srgbClr val="000000"/>
-                </a:solidFill>
-                <a:latin typeface="Calibri"/>
-                <a:ea typeface="맑은 고딕"/>
-                <a:cs typeface="맑은 고딕"/>
-              </a:rPr>
-              <a:t>5,</a:t>
-            </a:r>
-            <a:r>
-              <a:rPr xmlns:mc="http://schemas.openxmlformats.org/markup-compatibility/2006" xmlns:hp="http://schemas.haansoft.com/office/presentation/8.0" kumimoji="0" lang="ko-KR" altLang="en-US" sz="1800" b="0" i="0" u="none" strike="noStrike" kern="1200" cap="none" spc="0" normalizeH="0" baseline="0" mc:Ignorable="hp" hp:hslEmbossed="0">
-                <a:solidFill>
-                  <a:srgbClr val="000000"/>
-                </a:solidFill>
-                <a:latin typeface="Calibri"/>
-                <a:ea typeface="맑은 고딕"/>
-                <a:cs typeface="맑은 고딕"/>
-              </a:rPr>
-              <a:t> </a:t>
-            </a:r>
-            <a:r>
-              <a:rPr xmlns:mc="http://schemas.openxmlformats.org/markup-compatibility/2006" xmlns:hp="http://schemas.haansoft.com/office/presentation/8.0" kumimoji="0" lang="en-US" altLang="ko-KR" sz="1800" b="0" i="0" u="none" strike="noStrike" kern="1200" cap="none" spc="0" normalizeH="0" baseline="0" mc:Ignorable="hp" hp:hslEmbossed="0">
-                <a:solidFill>
-                  <a:srgbClr val="000000"/>
-                </a:solidFill>
-                <a:latin typeface="Calibri"/>
-                <a:ea typeface="맑은 고딕"/>
-                <a:cs typeface="맑은 고딕"/>
-              </a:rPr>
-              <a:t>6</a:t>
-            </a:r>
-            <a:r>
-              <a:rPr xmlns:mc="http://schemas.openxmlformats.org/markup-compatibility/2006" xmlns:hp="http://schemas.haansoft.com/office/presentation/8.0" kumimoji="0" lang="ko-KR" altLang="en-US" sz="1800" b="0" i="0" u="none" strike="noStrike" kern="1200" cap="none" spc="0" normalizeH="0" baseline="0" mc:Ignorable="hp" hp:hslEmbossed="0">
-                <a:solidFill>
-                  <a:srgbClr val="000000"/>
-                </a:solidFill>
-                <a:latin typeface="Calibri"/>
-                <a:ea typeface="맑은 고딕"/>
-                <a:cs typeface="맑은 고딕"/>
-              </a:rPr>
-              <a:t>번 슬라이드</a:t>
-            </a:r>
-            <a:r>
-              <a:rPr xmlns:mc="http://schemas.openxmlformats.org/markup-compatibility/2006" xmlns:hp="http://schemas.haansoft.com/office/presentation/8.0" kumimoji="0" lang="en-US" altLang="ko-KR" sz="1800" b="0" i="0" u="none" strike="noStrike" kern="1200" cap="none" spc="0" normalizeH="0" baseline="0" mc:Ignorable="hp" hp:hslEmbossed="0">
-                <a:solidFill>
-                  <a:srgbClr val="000000"/>
-                </a:solidFill>
-                <a:latin typeface="Calibri"/>
-                <a:ea typeface="맑은 고딕"/>
-                <a:cs typeface="맑은 고딕"/>
-              </a:rPr>
-              <a:t>)</a:t>
-            </a:r>
-            <a:endParaRPr xmlns:mc="http://schemas.openxmlformats.org/markup-compatibility/2006" xmlns:hp="http://schemas.haansoft.com/office/presentation/8.0" kumimoji="0" lang="en-US" altLang="ko-KR" sz="1800" b="0" i="0" u="none" strike="noStrike" kern="1200" cap="none" spc="0" normalizeH="0" baseline="0" mc:Ignorable="hp" hp:hslEmbossed="0">
-              <a:solidFill>
-                <a:srgbClr val="000000"/>
-              </a:solidFill>
-              <a:latin typeface="Calibri"/>
-              <a:ea typeface="맑은 고딕"/>
-              <a:cs typeface="맑은 고딕"/>
-            </a:endParaRPr>
-          </a:p>
-        </p:txBody>
-      </p:sp>
-      <p:sp>
-        <p:nvSpPr>
           <p:cNvPr id="22" name="직사각형 4"/>
           <p:cNvSpPr/>
           <p:nvPr/>
         </p:nvSpPr>
         <p:spPr>
           <a:xfrm>
-            <a:off x="3498412" y="5157893"/>
+            <a:off x="3509723" y="4969190"/>
             <a:ext cx="2373515" cy="1250814"/>
           </a:xfrm>
           <a:prstGeom prst="rect">
@@ -6751,6 +6781,518 @@
               <a:t> </a:t>
             </a:r>
             <a:endParaRPr xmlns:mc="http://schemas.openxmlformats.org/markup-compatibility/2006" xmlns:hp="http://schemas.haansoft.com/office/presentation/8.0" kumimoji="0" lang="ko-KR" altLang="en-US" sz="1800" b="0" i="0" u="none" strike="noStrike" kern="1200" cap="none" spc="0" normalizeH="0" baseline="0" mc:Ignorable="hp" hp:hslEmbossed="0">
+              <a:solidFill>
+                <a:srgbClr val="000000"/>
+              </a:solidFill>
+              <a:latin typeface="Calibri"/>
+              <a:ea typeface="맑은 고딕"/>
+              <a:cs typeface="맑은 고딕"/>
+            </a:endParaRPr>
+          </a:p>
+        </p:txBody>
+      </p:sp>
+      <p:sp>
+        <p:nvSpPr>
+          <p:cNvPr id="23" name="직사각형 4"/>
+          <p:cNvSpPr/>
+          <p:nvPr/>
+        </p:nvSpPr>
+        <p:spPr>
+          <a:xfrm>
+            <a:off x="3505953" y="2316192"/>
+            <a:ext cx="2365973" cy="1179862"/>
+          </a:xfrm>
+          <a:prstGeom prst="rect">
+            <a:avLst/>
+          </a:prstGeom>
+          <a:noFill/>
+          <a:ln w="28575" cap="flat" cmpd="sng" algn="ctr">
+            <a:solidFill>
+              <a:srgbClr val="000000">
+                <a:alpha val="100000"/>
+              </a:srgbClr>
+            </a:solidFill>
+            <a:prstDash val="solid"/>
+            <a:miter/>
+          </a:ln>
+        </p:spPr>
+        <p:txBody>
+          <a:bodyPr anchor="ctr"/>
+          <a:p>
+            <a:pPr marL="0" indent="0" algn="ctr" defTabSz="457200" rtl="0" eaLnBrk="1" latinLnBrk="0" hangingPunct="1">
+              <a:lnSpc>
+                <a:spcPct val="100000"/>
+              </a:lnSpc>
+              <a:spcBef>
+                <a:spcPct val="0"/>
+              </a:spcBef>
+              <a:spcAft>
+                <a:spcPts val="0"/>
+              </a:spcAft>
+              <a:buNone/>
+              <a:defRPr/>
+            </a:pPr>
+            <a:r>
+              <a:rPr xmlns:mc="http://schemas.openxmlformats.org/markup-compatibility/2006" xmlns:hp="http://schemas.haansoft.com/office/presentation/8.0" kumimoji="0" lang="en-US" altLang="ko-KR" sz="1800" b="0" i="0" u="none" strike="noStrike" kern="1200" cap="none" spc="0" normalizeH="0" baseline="0" mc:Ignorable="hp" hp:hslEmbossed="0">
+                <a:solidFill>
+                  <a:srgbClr val="000000"/>
+                </a:solidFill>
+                <a:latin typeface="Calibri"/>
+                <a:ea typeface="맑은 고딕"/>
+                <a:cs typeface="맑은 고딕"/>
+              </a:rPr>
+              <a:t>Main UI</a:t>
+            </a:r>
+            <a:r>
+              <a:rPr xmlns:mc="http://schemas.openxmlformats.org/markup-compatibility/2006" xmlns:hp="http://schemas.haansoft.com/office/presentation/8.0" kumimoji="0" lang="ko-KR" altLang="en-US" sz="1800" b="0" i="0" u="none" strike="noStrike" kern="1200" cap="none" spc="0" normalizeH="0" baseline="0" mc:Ignorable="hp" hp:hslEmbossed="0">
+                <a:solidFill>
+                  <a:srgbClr val="000000"/>
+                </a:solidFill>
+                <a:latin typeface="Calibri"/>
+                <a:ea typeface="맑은 고딕"/>
+                <a:cs typeface="맑은 고딕"/>
+              </a:rPr>
+              <a:t> </a:t>
+            </a:r>
+            <a:br>
+              <a:rPr xmlns:mc="http://schemas.openxmlformats.org/markup-compatibility/2006" xmlns:hp="http://schemas.haansoft.com/office/presentation/8.0" kumimoji="0" lang="en-US" altLang="ko-KR" sz="1800" b="0" i="0" u="none" strike="noStrike" kern="1200" cap="none" spc="0" normalizeH="0" baseline="0" mc:Ignorable="hp" hp:hslEmbossed="0">
+                <a:solidFill>
+                  <a:srgbClr val="000000"/>
+                </a:solidFill>
+                <a:latin typeface="Calibri"/>
+                <a:ea typeface="맑은 고딕"/>
+                <a:cs typeface="맑은 고딕"/>
+              </a:rPr>
+            </a:br>
+            <a:r>
+              <a:rPr xmlns:mc="http://schemas.openxmlformats.org/markup-compatibility/2006" xmlns:hp="http://schemas.haansoft.com/office/presentation/8.0" kumimoji="0" lang="en-US" altLang="ko-KR" sz="1800" b="0" i="0" u="none" strike="noStrike" kern="1200" cap="none" spc="0" normalizeH="0" baseline="0" mc:Ignorable="hp" hp:hslEmbossed="0">
+                <a:solidFill>
+                  <a:srgbClr val="000000"/>
+                </a:solidFill>
+                <a:latin typeface="Calibri"/>
+                <a:ea typeface="맑은 고딕"/>
+                <a:cs typeface="Calibri"/>
+              </a:rPr>
+              <a:t>(3</a:t>
+            </a:r>
+            <a:r>
+              <a:rPr xmlns:mc="http://schemas.openxmlformats.org/markup-compatibility/2006" xmlns:hp="http://schemas.haansoft.com/office/presentation/8.0" kumimoji="0" lang="ko-KR" altLang="en-US" sz="1800" b="0" i="0" u="none" strike="noStrike" kern="1200" cap="none" spc="0" normalizeH="0" baseline="0" mc:Ignorable="hp" hp:hslEmbossed="0">
+                <a:solidFill>
+                  <a:srgbClr val="000000"/>
+                </a:solidFill>
+                <a:latin typeface="Calibri"/>
+                <a:ea typeface="맑은 고딕"/>
+                <a:cs typeface="맑은 고딕"/>
+              </a:rPr>
+              <a:t>번 슬라이드</a:t>
+            </a:r>
+            <a:r>
+              <a:rPr xmlns:mc="http://schemas.openxmlformats.org/markup-compatibility/2006" xmlns:hp="http://schemas.haansoft.com/office/presentation/8.0" kumimoji="0" lang="en-US" altLang="ko-KR" sz="1800" b="0" i="0" u="none" strike="noStrike" kern="1200" cap="none" spc="0" normalizeH="0" baseline="0" mc:Ignorable="hp" hp:hslEmbossed="0">
+                <a:solidFill>
+                  <a:srgbClr val="000000"/>
+                </a:solidFill>
+                <a:latin typeface="Calibri"/>
+                <a:ea typeface="맑은 고딕"/>
+                <a:cs typeface="Calibri"/>
+              </a:rPr>
+              <a:t>)</a:t>
+            </a:r>
+            <a:r>
+              <a:rPr xmlns:mc="http://schemas.openxmlformats.org/markup-compatibility/2006" xmlns:hp="http://schemas.haansoft.com/office/presentation/8.0" kumimoji="0" lang="ko-KR" altLang="en-US" sz="1800" b="0" i="0" u="none" strike="noStrike" kern="1200" cap="none" spc="0" normalizeH="0" baseline="0" mc:Ignorable="hp" hp:hslEmbossed="0">
+                <a:solidFill>
+                  <a:srgbClr val="000000"/>
+                </a:solidFill>
+                <a:latin typeface="Calibri"/>
+                <a:ea typeface="맑은 고딕"/>
+                <a:cs typeface="맑은 고딕"/>
+              </a:rPr>
+              <a:t> </a:t>
+            </a:r>
+            <a:endParaRPr xmlns:mc="http://schemas.openxmlformats.org/markup-compatibility/2006" xmlns:hp="http://schemas.haansoft.com/office/presentation/8.0" kumimoji="0" lang="ko-KR" altLang="en-US" sz="1800" b="0" i="0" u="none" strike="noStrike" kern="1200" cap="none" spc="0" normalizeH="0" baseline="0" mc:Ignorable="hp" hp:hslEmbossed="0">
+              <a:solidFill>
+                <a:srgbClr val="000000"/>
+              </a:solidFill>
+              <a:latin typeface="Calibri"/>
+              <a:ea typeface="맑은 고딕"/>
+              <a:cs typeface="맑은 고딕"/>
+            </a:endParaRPr>
+          </a:p>
+        </p:txBody>
+      </p:sp>
+      <p:sp>
+        <p:nvSpPr>
+          <p:cNvPr id="24" name="직사각형 4"/>
+          <p:cNvSpPr/>
+          <p:nvPr/>
+        </p:nvSpPr>
+        <p:spPr>
+          <a:xfrm>
+            <a:off x="5990374" y="2316192"/>
+            <a:ext cx="2365973" cy="1179862"/>
+          </a:xfrm>
+          <a:prstGeom prst="rect">
+            <a:avLst/>
+          </a:prstGeom>
+          <a:noFill/>
+          <a:ln w="28575" cap="flat" cmpd="sng" algn="ctr">
+            <a:solidFill>
+              <a:srgbClr val="000000">
+                <a:alpha val="100000"/>
+              </a:srgbClr>
+            </a:solidFill>
+            <a:prstDash val="solid"/>
+            <a:miter/>
+          </a:ln>
+        </p:spPr>
+        <p:txBody>
+          <a:bodyPr anchor="ctr"/>
+          <a:p>
+            <a:pPr marL="0" indent="0" algn="ctr" defTabSz="457200" rtl="0" eaLnBrk="1" latinLnBrk="0" hangingPunct="1">
+              <a:lnSpc>
+                <a:spcPct val="100000"/>
+              </a:lnSpc>
+              <a:spcBef>
+                <a:spcPct val="0"/>
+              </a:spcBef>
+              <a:spcAft>
+                <a:spcPts val="0"/>
+              </a:spcAft>
+              <a:buNone/>
+              <a:defRPr/>
+            </a:pPr>
+            <a:r>
+              <a:rPr xmlns:mc="http://schemas.openxmlformats.org/markup-compatibility/2006" xmlns:hp="http://schemas.haansoft.com/office/presentation/8.0" kumimoji="0" lang="en-US" altLang="ko-KR" b="0" i="0" u="none" strike="noStrike" kern="1200" cap="none" spc="0" normalizeH="0" baseline="0" mc:Ignorable="hp" hp:hslEmbossed="0">
+                <a:solidFill>
+                  <a:srgbClr val="000000"/>
+                </a:solidFill>
+                <a:latin typeface="Calibri"/>
+                <a:ea typeface="맑은 고딕"/>
+                <a:cs typeface="맑은 고딕"/>
+              </a:rPr>
+              <a:t>Main UI</a:t>
+            </a:r>
+            <a:r>
+              <a:rPr xmlns:mc="http://schemas.openxmlformats.org/markup-compatibility/2006" xmlns:hp="http://schemas.haansoft.com/office/presentation/8.0" kumimoji="0" lang="ko-KR" altLang="en-US" b="0" i="0" u="none" strike="noStrike" kern="1200" cap="none" spc="0" normalizeH="0" baseline="0" mc:Ignorable="hp" hp:hslEmbossed="0">
+                <a:solidFill>
+                  <a:srgbClr val="000000"/>
+                </a:solidFill>
+                <a:latin typeface="Calibri"/>
+                <a:ea typeface="맑은 고딕"/>
+                <a:cs typeface="맑은 고딕"/>
+              </a:rPr>
+              <a:t> </a:t>
+            </a:r>
+            <a:br>
+              <a:rPr xmlns:mc="http://schemas.openxmlformats.org/markup-compatibility/2006" xmlns:hp="http://schemas.haansoft.com/office/presentation/8.0" kumimoji="0" lang="en-US" altLang="ko-KR" b="0" i="0" u="none" strike="noStrike" kern="1200" cap="none" spc="0" normalizeH="0" baseline="0" mc:Ignorable="hp" hp:hslEmbossed="0">
+                <a:solidFill>
+                  <a:srgbClr val="000000"/>
+                </a:solidFill>
+                <a:latin typeface="Calibri"/>
+                <a:ea typeface="맑은 고딕"/>
+                <a:cs typeface="맑은 고딕"/>
+              </a:rPr>
+            </a:br>
+            <a:r>
+              <a:rPr xmlns:mc="http://schemas.openxmlformats.org/markup-compatibility/2006" xmlns:hp="http://schemas.haansoft.com/office/presentation/8.0" kumimoji="0" lang="en-US" altLang="ko-KR" b="0" i="0" u="none" strike="noStrike" kern="1200" cap="none" spc="0" normalizeH="0" baseline="0" mc:Ignorable="hp" hp:hslEmbossed="0">
+                <a:solidFill>
+                  <a:srgbClr val="000000"/>
+                </a:solidFill>
+                <a:latin typeface="Calibri"/>
+                <a:ea typeface="맑은 고딕"/>
+                <a:cs typeface="Calibri"/>
+              </a:rPr>
+              <a:t>(4</a:t>
+            </a:r>
+            <a:r>
+              <a:rPr xmlns:mc="http://schemas.openxmlformats.org/markup-compatibility/2006" xmlns:hp="http://schemas.haansoft.com/office/presentation/8.0" kumimoji="0" lang="ko-KR" altLang="en-US" b="0" i="0" u="none" strike="noStrike" kern="1200" cap="none" spc="0" normalizeH="0" baseline="0" mc:Ignorable="hp" hp:hslEmbossed="0">
+                <a:solidFill>
+                  <a:srgbClr val="000000"/>
+                </a:solidFill>
+                <a:latin typeface="Calibri"/>
+                <a:ea typeface="맑은 고딕"/>
+                <a:cs typeface="맑은 고딕"/>
+              </a:rPr>
+              <a:t>번 슬라이드</a:t>
+            </a:r>
+            <a:r>
+              <a:rPr xmlns:mc="http://schemas.openxmlformats.org/markup-compatibility/2006" xmlns:hp="http://schemas.haansoft.com/office/presentation/8.0" kumimoji="0" lang="en-US" altLang="ko-KR" b="0" i="0" u="none" strike="noStrike" kern="1200" cap="none" spc="0" normalizeH="0" baseline="0" mc:Ignorable="hp" hp:hslEmbossed="0">
+                <a:solidFill>
+                  <a:srgbClr val="000000"/>
+                </a:solidFill>
+                <a:latin typeface="Calibri"/>
+                <a:ea typeface="맑은 고딕"/>
+                <a:cs typeface="Calibri"/>
+              </a:rPr>
+              <a:t>)</a:t>
+            </a:r>
+            <a:r>
+              <a:rPr xmlns:mc="http://schemas.openxmlformats.org/markup-compatibility/2006" xmlns:hp="http://schemas.haansoft.com/office/presentation/8.0" kumimoji="0" lang="ko-KR" altLang="en-US" b="0" i="0" u="none" strike="noStrike" kern="1200" cap="none" spc="0" normalizeH="0" baseline="0" mc:Ignorable="hp" hp:hslEmbossed="0">
+                <a:solidFill>
+                  <a:srgbClr val="000000"/>
+                </a:solidFill>
+                <a:latin typeface="Calibri"/>
+                <a:ea typeface="맑은 고딕"/>
+                <a:cs typeface="맑은 고딕"/>
+              </a:rPr>
+              <a:t> </a:t>
+            </a:r>
+            <a:endParaRPr xmlns:mc="http://schemas.openxmlformats.org/markup-compatibility/2006" xmlns:hp="http://schemas.haansoft.com/office/presentation/8.0" kumimoji="0" lang="ko-KR" altLang="en-US" b="0" i="0" u="none" strike="noStrike" kern="1200" cap="none" spc="0" normalizeH="0" baseline="0" mc:Ignorable="hp" hp:hslEmbossed="0">
+              <a:solidFill>
+                <a:srgbClr val="000000"/>
+              </a:solidFill>
+              <a:latin typeface="Calibri"/>
+              <a:ea typeface="맑은 고딕"/>
+              <a:cs typeface="맑은 고딕"/>
+            </a:endParaRPr>
+          </a:p>
+        </p:txBody>
+      </p:sp>
+      <p:sp>
+        <p:nvSpPr>
+          <p:cNvPr id="25" name="직사각형 4"/>
+          <p:cNvSpPr/>
+          <p:nvPr/>
+        </p:nvSpPr>
+        <p:spPr>
+          <a:xfrm>
+            <a:off x="3505953" y="3642691"/>
+            <a:ext cx="2365973" cy="1179862"/>
+          </a:xfrm>
+          <a:prstGeom prst="rect">
+            <a:avLst/>
+          </a:prstGeom>
+          <a:noFill/>
+          <a:ln w="28575" cap="flat" cmpd="sng" algn="ctr">
+            <a:solidFill>
+              <a:srgbClr val="000000">
+                <a:alpha val="100000"/>
+              </a:srgbClr>
+            </a:solidFill>
+            <a:prstDash val="solid"/>
+            <a:miter/>
+          </a:ln>
+        </p:spPr>
+        <p:txBody>
+          <a:bodyPr anchor="ctr"/>
+          <a:p>
+            <a:pPr marL="0" indent="0" algn="ctr" defTabSz="457200" rtl="0" eaLnBrk="1" latinLnBrk="0" hangingPunct="1">
+              <a:lnSpc>
+                <a:spcPct val="100000"/>
+              </a:lnSpc>
+              <a:spcBef>
+                <a:spcPct val="0"/>
+              </a:spcBef>
+              <a:spcAft>
+                <a:spcPts val="0"/>
+              </a:spcAft>
+              <a:buNone/>
+              <a:defRPr/>
+            </a:pPr>
+            <a:r>
+              <a:rPr xmlns:mc="http://schemas.openxmlformats.org/markup-compatibility/2006" xmlns:hp="http://schemas.haansoft.com/office/presentation/8.0" kumimoji="0" lang="en-US" altLang="ko-KR" b="0" i="0" u="none" strike="noStrike" kern="1200" cap="none" spc="0" normalizeH="0" baseline="0" mc:Ignorable="hp" hp:hslEmbossed="0">
+                <a:solidFill>
+                  <a:srgbClr val="000000"/>
+                </a:solidFill>
+                <a:latin typeface="Calibri"/>
+                <a:ea typeface="맑은 고딕"/>
+                <a:cs typeface="맑은 고딕"/>
+              </a:rPr>
+              <a:t>Main UI</a:t>
+            </a:r>
+            <a:r>
+              <a:rPr xmlns:mc="http://schemas.openxmlformats.org/markup-compatibility/2006" xmlns:hp="http://schemas.haansoft.com/office/presentation/8.0" kumimoji="0" lang="ko-KR" altLang="en-US" b="0" i="0" u="none" strike="noStrike" kern="1200" cap="none" spc="0" normalizeH="0" baseline="0" mc:Ignorable="hp" hp:hslEmbossed="0">
+                <a:solidFill>
+                  <a:srgbClr val="000000"/>
+                </a:solidFill>
+                <a:latin typeface="Calibri"/>
+                <a:ea typeface="맑은 고딕"/>
+                <a:cs typeface="맑은 고딕"/>
+              </a:rPr>
+              <a:t> </a:t>
+            </a:r>
+            <a:br>
+              <a:rPr xmlns:mc="http://schemas.openxmlformats.org/markup-compatibility/2006" xmlns:hp="http://schemas.haansoft.com/office/presentation/8.0" kumimoji="0" lang="en-US" altLang="ko-KR" b="0" i="0" u="none" strike="noStrike" kern="1200" cap="none" spc="0" normalizeH="0" baseline="0" mc:Ignorable="hp" hp:hslEmbossed="0">
+                <a:solidFill>
+                  <a:srgbClr val="000000"/>
+                </a:solidFill>
+                <a:latin typeface="Calibri"/>
+                <a:ea typeface="맑은 고딕"/>
+                <a:cs typeface="맑은 고딕"/>
+              </a:rPr>
+            </a:br>
+            <a:r>
+              <a:rPr xmlns:mc="http://schemas.openxmlformats.org/markup-compatibility/2006" xmlns:hp="http://schemas.haansoft.com/office/presentation/8.0" kumimoji="0" lang="en-US" altLang="ko-KR" b="0" i="0" u="none" strike="noStrike" kern="1200" cap="none" spc="0" normalizeH="0" baseline="0" mc:Ignorable="hp" hp:hslEmbossed="0">
+                <a:solidFill>
+                  <a:srgbClr val="000000"/>
+                </a:solidFill>
+                <a:latin typeface="Calibri"/>
+                <a:ea typeface="맑은 고딕"/>
+                <a:cs typeface="Calibri"/>
+              </a:rPr>
+              <a:t>(5</a:t>
+            </a:r>
+            <a:r>
+              <a:rPr xmlns:mc="http://schemas.openxmlformats.org/markup-compatibility/2006" xmlns:hp="http://schemas.haansoft.com/office/presentation/8.0" kumimoji="0" lang="ko-KR" altLang="en-US" b="0" i="0" u="none" strike="noStrike" kern="1200" cap="none" spc="0" normalizeH="0" baseline="0" mc:Ignorable="hp" hp:hslEmbossed="0">
+                <a:solidFill>
+                  <a:srgbClr val="000000"/>
+                </a:solidFill>
+                <a:latin typeface="Calibri"/>
+                <a:ea typeface="맑은 고딕"/>
+                <a:cs typeface="맑은 고딕"/>
+              </a:rPr>
+              <a:t>번 슬라이드</a:t>
+            </a:r>
+            <a:r>
+              <a:rPr xmlns:mc="http://schemas.openxmlformats.org/markup-compatibility/2006" xmlns:hp="http://schemas.haansoft.com/office/presentation/8.0" kumimoji="0" lang="en-US" altLang="ko-KR" b="0" i="0" u="none" strike="noStrike" kern="1200" cap="none" spc="0" normalizeH="0" baseline="0" mc:Ignorable="hp" hp:hslEmbossed="0">
+                <a:solidFill>
+                  <a:srgbClr val="000000"/>
+                </a:solidFill>
+                <a:latin typeface="Calibri"/>
+                <a:ea typeface="맑은 고딕"/>
+                <a:cs typeface="Calibri"/>
+              </a:rPr>
+              <a:t>)</a:t>
+            </a:r>
+            <a:r>
+              <a:rPr xmlns:mc="http://schemas.openxmlformats.org/markup-compatibility/2006" xmlns:hp="http://schemas.haansoft.com/office/presentation/8.0" kumimoji="0" lang="ko-KR" altLang="en-US" b="0" i="0" u="none" strike="noStrike" kern="1200" cap="none" spc="0" normalizeH="0" baseline="0" mc:Ignorable="hp" hp:hslEmbossed="0">
+                <a:solidFill>
+                  <a:srgbClr val="000000"/>
+                </a:solidFill>
+                <a:latin typeface="Calibri"/>
+                <a:ea typeface="맑은 고딕"/>
+                <a:cs typeface="맑은 고딕"/>
+              </a:rPr>
+              <a:t> </a:t>
+            </a:r>
+            <a:endParaRPr xmlns:mc="http://schemas.openxmlformats.org/markup-compatibility/2006" xmlns:hp="http://schemas.haansoft.com/office/presentation/8.0" kumimoji="0" lang="ko-KR" altLang="en-US" b="0" i="0" u="none" strike="noStrike" kern="1200" cap="none" spc="0" normalizeH="0" baseline="0" mc:Ignorable="hp" hp:hslEmbossed="0">
+              <a:solidFill>
+                <a:srgbClr val="000000"/>
+              </a:solidFill>
+              <a:latin typeface="Calibri"/>
+              <a:ea typeface="맑은 고딕"/>
+              <a:cs typeface="맑은 고딕"/>
+            </a:endParaRPr>
+          </a:p>
+        </p:txBody>
+      </p:sp>
+      <p:sp>
+        <p:nvSpPr>
+          <p:cNvPr id="26" name="직사각형 4"/>
+          <p:cNvSpPr/>
+          <p:nvPr/>
+        </p:nvSpPr>
+        <p:spPr>
+          <a:xfrm>
+            <a:off x="5990374" y="3637730"/>
+            <a:ext cx="2365973" cy="1179862"/>
+          </a:xfrm>
+          <a:prstGeom prst="rect">
+            <a:avLst/>
+          </a:prstGeom>
+          <a:noFill/>
+          <a:ln w="28575" cap="flat" cmpd="sng" algn="ctr">
+            <a:solidFill>
+              <a:srgbClr val="000000">
+                <a:alpha val="100000"/>
+              </a:srgbClr>
+            </a:solidFill>
+            <a:prstDash val="solid"/>
+            <a:miter/>
+          </a:ln>
+        </p:spPr>
+        <p:txBody>
+          <a:bodyPr anchor="ctr"/>
+          <a:p>
+            <a:pPr marL="0" indent="0" algn="ctr" defTabSz="457200" rtl="0" eaLnBrk="1" latinLnBrk="0" hangingPunct="1">
+              <a:lnSpc>
+                <a:spcPct val="100000"/>
+              </a:lnSpc>
+              <a:spcBef>
+                <a:spcPct val="0"/>
+              </a:spcBef>
+              <a:spcAft>
+                <a:spcPts val="0"/>
+              </a:spcAft>
+              <a:buNone/>
+              <a:defRPr/>
+            </a:pPr>
+            <a:r>
+              <a:rPr xmlns:mc="http://schemas.openxmlformats.org/markup-compatibility/2006" xmlns:hp="http://schemas.haansoft.com/office/presentation/8.0" kumimoji="0" lang="en-US" altLang="ko-KR" b="0" i="0" u="none" strike="noStrike" kern="1200" cap="none" spc="0" normalizeH="0" baseline="0" mc:Ignorable="hp" hp:hslEmbossed="0">
+                <a:solidFill>
+                  <a:srgbClr val="000000"/>
+                </a:solidFill>
+                <a:latin typeface="Calibri"/>
+                <a:ea typeface="맑은 고딕"/>
+                <a:cs typeface="맑은 고딕"/>
+              </a:rPr>
+              <a:t>Main UI</a:t>
+            </a:r>
+            <a:r>
+              <a:rPr xmlns:mc="http://schemas.openxmlformats.org/markup-compatibility/2006" xmlns:hp="http://schemas.haansoft.com/office/presentation/8.0" kumimoji="0" lang="ko-KR" altLang="en-US" b="0" i="0" u="none" strike="noStrike" kern="1200" cap="none" spc="0" normalizeH="0" baseline="0" mc:Ignorable="hp" hp:hslEmbossed="0">
+                <a:solidFill>
+                  <a:srgbClr val="000000"/>
+                </a:solidFill>
+                <a:latin typeface="Calibri"/>
+                <a:ea typeface="맑은 고딕"/>
+                <a:cs typeface="맑은 고딕"/>
+              </a:rPr>
+              <a:t> </a:t>
+            </a:r>
+            <a:br>
+              <a:rPr xmlns:mc="http://schemas.openxmlformats.org/markup-compatibility/2006" xmlns:hp="http://schemas.haansoft.com/office/presentation/8.0" kumimoji="0" lang="en-US" altLang="ko-KR" b="0" i="0" u="none" strike="noStrike" kern="1200" cap="none" spc="0" normalizeH="0" baseline="0" mc:Ignorable="hp" hp:hslEmbossed="0">
+                <a:solidFill>
+                  <a:srgbClr val="000000"/>
+                </a:solidFill>
+                <a:latin typeface="Calibri"/>
+                <a:ea typeface="맑은 고딕"/>
+                <a:cs typeface="맑은 고딕"/>
+              </a:rPr>
+            </a:br>
+            <a:r>
+              <a:rPr xmlns:mc="http://schemas.openxmlformats.org/markup-compatibility/2006" xmlns:hp="http://schemas.haansoft.com/office/presentation/8.0" kumimoji="0" lang="en-US" altLang="ko-KR" b="0" i="0" u="none" strike="noStrike" kern="1200" cap="none" spc="0" normalizeH="0" baseline="0" mc:Ignorable="hp" hp:hslEmbossed="0">
+                <a:solidFill>
+                  <a:srgbClr val="000000"/>
+                </a:solidFill>
+                <a:latin typeface="Calibri"/>
+                <a:ea typeface="맑은 고딕"/>
+                <a:cs typeface="Calibri"/>
+              </a:rPr>
+              <a:t>(6</a:t>
+            </a:r>
+            <a:r>
+              <a:rPr xmlns:mc="http://schemas.openxmlformats.org/markup-compatibility/2006" xmlns:hp="http://schemas.haansoft.com/office/presentation/8.0" kumimoji="0" lang="ko-KR" altLang="en-US" b="0" i="0" u="none" strike="noStrike" kern="1200" cap="none" spc="0" normalizeH="0" baseline="0" mc:Ignorable="hp" hp:hslEmbossed="0">
+                <a:solidFill>
+                  <a:srgbClr val="000000"/>
+                </a:solidFill>
+                <a:latin typeface="Calibri"/>
+                <a:ea typeface="맑은 고딕"/>
+                <a:cs typeface="맑은 고딕"/>
+              </a:rPr>
+              <a:t>번 슬라이드</a:t>
+            </a:r>
+            <a:r>
+              <a:rPr xmlns:mc="http://schemas.openxmlformats.org/markup-compatibility/2006" xmlns:hp="http://schemas.haansoft.com/office/presentation/8.0" kumimoji="0" lang="en-US" altLang="ko-KR" b="0" i="0" u="none" strike="noStrike" kern="1200" cap="none" spc="0" normalizeH="0" baseline="0" mc:Ignorable="hp" hp:hslEmbossed="0">
+                <a:solidFill>
+                  <a:srgbClr val="000000"/>
+                </a:solidFill>
+                <a:latin typeface="Calibri"/>
+                <a:ea typeface="맑은 고딕"/>
+                <a:cs typeface="Calibri"/>
+              </a:rPr>
+              <a:t>)</a:t>
+            </a:r>
+            <a:r>
+              <a:rPr xmlns:mc="http://schemas.openxmlformats.org/markup-compatibility/2006" xmlns:hp="http://schemas.haansoft.com/office/presentation/8.0" kumimoji="0" lang="ko-KR" altLang="en-US" b="0" i="0" u="none" strike="noStrike" kern="1200" cap="none" spc="0" normalizeH="0" baseline="0" mc:Ignorable="hp" hp:hslEmbossed="0">
+                <a:solidFill>
+                  <a:srgbClr val="000000"/>
+                </a:solidFill>
+                <a:latin typeface="Calibri"/>
+                <a:ea typeface="맑은 고딕"/>
+                <a:cs typeface="맑은 고딕"/>
+              </a:rPr>
+              <a:t> </a:t>
+            </a:r>
+            <a:endParaRPr xmlns:mc="http://schemas.openxmlformats.org/markup-compatibility/2006" xmlns:hp="http://schemas.haansoft.com/office/presentation/8.0" kumimoji="0" lang="ko-KR" altLang="en-US" b="0" i="0" u="none" strike="noStrike" kern="1200" cap="none" spc="0" normalizeH="0" baseline="0" mc:Ignorable="hp" hp:hslEmbossed="0">
               <a:solidFill>
                 <a:srgbClr val="000000"/>
               </a:solidFill>
